--- a/07-ohai_plugins.pptx
+++ b/07-ohai_plugins.pptx
@@ -174,13 +174,13 @@
   </p:defaultTextStyle>
   <p:extLst>
     <p:ext uri="{EFAFB233-063F-42B5-8137-9DF3F51BA10A}">
-      <p15:sldGuideLst xmlns:p15="http://schemas.microsoft.com/office/powerpoint/2012/main" xmlns="">
-        <p15:guide id="1" orient="horz" pos="1392" userDrawn="1">
+      <p15:sldGuideLst xmlns:p15="http://schemas.microsoft.com/office/powerpoint/2012/main">
+        <p15:guide id="1" orient="horz" pos="1056" userDrawn="1">
           <p15:clr>
             <a:srgbClr val="A4A3A4"/>
           </p15:clr>
         </p15:guide>
-        <p15:guide id="2" pos="5120" userDrawn="1">
+        <p15:guide id="2" pos="5144" userDrawn="1">
           <p15:clr>
             <a:srgbClr val="A4A3A4"/>
           </p15:clr>
@@ -188,7 +188,7 @@
       </p15:sldGuideLst>
     </p:ext>
     <p:ext uri="{2D200454-40CA-4A62-9FC3-DE9A4176ACB9}">
-      <p15:notesGuideLst xmlns:p15="http://schemas.microsoft.com/office/powerpoint/2012/main" xmlns=""/>
+      <p15:notesGuideLst xmlns:p15="http://schemas.microsoft.com/office/powerpoint/2012/main"/>
     </p:ext>
   </p:extLst>
 </p:presentation>
@@ -305,7 +305,7 @@
               <a:pPr>
                 <a:defRPr/>
               </a:pPr>
-              <a:t>10/21/16</a:t>
+              <a:t>2016-10-23</a:t>
             </a:fld>
             <a:endParaRPr lang="en-US" dirty="0"/>
           </a:p>
@@ -488,7 +488,7 @@
               <a:pPr>
                 <a:defRPr/>
               </a:pPr>
-              <a:t>10/21/16</a:t>
+              <a:t>2016-10-23</a:t>
             </a:fld>
             <a:endParaRPr lang="en-US" dirty="0"/>
           </a:p>
@@ -2252,11 +2252,7 @@
             </a:r>
             <a:r>
               <a:rPr lang="en-US" baseline="0" dirty="0" smtClean="0"/>
-              <a:t> is being used</a:t>
-            </a:r>
-            <a:r>
-              <a:rPr lang="en-US" baseline="0" dirty="0" smtClean="0"/>
-              <a:t>.</a:t>
+              <a:t> is being used.</a:t>
             </a:r>
           </a:p>
         </p:txBody>
@@ -2430,23 +2426,7 @@
             </a:r>
             <a:r>
               <a:rPr lang="en-US" baseline="0" dirty="0" smtClean="0"/>
-              <a:t> 8 continues to use </a:t>
-            </a:r>
-            <a:r>
-              <a:rPr lang="en-US" baseline="0" dirty="0" smtClean="0"/>
-              <a:t>that same </a:t>
-            </a:r>
-            <a:r>
-              <a:rPr lang="en-US" baseline="0" dirty="0" smtClean="0"/>
-              <a:t>language. The following slides and our exercise in the next module will focus on the </a:t>
-            </a:r>
-            <a:r>
-              <a:rPr lang="en-US" baseline="0" dirty="0" smtClean="0"/>
-              <a:t>DSL defined </a:t>
-            </a:r>
-            <a:r>
-              <a:rPr lang="en-US" baseline="0" dirty="0" smtClean="0"/>
-              <a:t>in </a:t>
+              <a:t> 8 continues to use that same language. The following slides and our exercise in the next module will focus on the DSL defined in </a:t>
             </a:r>
             <a:r>
               <a:rPr lang="en-US" baseline="0" dirty="0" err="1" smtClean="0"/>
@@ -3074,11 +3054,7 @@
           <a:p>
             <a:r>
               <a:rPr lang="en-US" baseline="0" dirty="0" smtClean="0"/>
-              <a:t>This plugin is named Languages. It provides the languages attribute on the node. This languages attribute is populated with the contents of a new Mash</a:t>
-            </a:r>
-            <a:r>
-              <a:rPr lang="en-US" baseline="0" dirty="0" smtClean="0"/>
-              <a:t>.</a:t>
+              <a:t>This plugin is named Languages. It provides the languages attribute on the node. This languages attribute is populated with the contents of a new Mash.</a:t>
             </a:r>
           </a:p>
           <a:p>
@@ -3089,7 +3065,6 @@
               <a:rPr lang="en-US" baseline="0" dirty="0" smtClean="0"/>
               <a:t>But what is a Mash?</a:t>
             </a:r>
-            <a:endParaRPr lang="en-US" baseline="0" dirty="0" smtClean="0"/>
           </a:p>
         </p:txBody>
       </p:sp>
@@ -5542,7 +5517,7 @@
   <p:clrMapOvr>
     <a:masterClrMapping/>
   </p:clrMapOvr>
-  <p:transition xmlns:p14="http://schemas.microsoft.com/office/powerpoint/2010/main" spd="med">
+  <p:transition spd="med">
     <p:fade/>
   </p:transition>
 </p:sldLayout>
@@ -5837,7 +5812,7 @@
   <p:clrMapOvr>
     <a:overrideClrMapping bg1="lt1" tx1="dk1" bg2="lt2" tx2="dk2" accent1="accent1" accent2="accent2" accent3="accent3" accent4="accent4" accent5="accent5" accent6="accent6" hlink="hlink" folHlink="folHlink"/>
   </p:clrMapOvr>
-  <p:transition xmlns:p14="http://schemas.microsoft.com/office/powerpoint/2010/main" spd="med">
+  <p:transition spd="med">
     <p:fade/>
   </p:transition>
 </p:sldLayout>
@@ -5970,14 +5945,14 @@
           </a:ln>
           <a:extLst>
             <a:ext uri="{909E8E84-426E-40dd-AFC4-6F175D3DCCD1}">
-              <a14:hiddenFill xmlns:a14="http://schemas.microsoft.com/office/drawing/2010/main">
+              <a14:hiddenFill xmlns:a14="http://schemas.microsoft.com/office/drawing/2010/main" xmlns="">
                 <a:solidFill>
                   <a:srgbClr val="FFFFFF"/>
                 </a:solidFill>
               </a14:hiddenFill>
             </a:ext>
             <a:ext uri="{91240B29-F687-4f45-9708-019B960494DF}">
-              <a14:hiddenLine xmlns:a14="http://schemas.microsoft.com/office/drawing/2010/main" w="9525">
+              <a14:hiddenLine xmlns:a14="http://schemas.microsoft.com/office/drawing/2010/main" xmlns="" w="9525">
                 <a:solidFill>
                   <a:srgbClr val="000000"/>
                 </a:solidFill>
@@ -6125,14 +6100,14 @@
           </a:ln>
           <a:extLst>
             <a:ext uri="{909E8E84-426E-40dd-AFC4-6F175D3DCCD1}">
-              <a14:hiddenFill xmlns:a14="http://schemas.microsoft.com/office/drawing/2010/main">
+              <a14:hiddenFill xmlns:a14="http://schemas.microsoft.com/office/drawing/2010/main" xmlns="">
                 <a:solidFill>
                   <a:srgbClr val="FFFFFF"/>
                 </a:solidFill>
               </a14:hiddenFill>
             </a:ext>
             <a:ext uri="{91240B29-F687-4f45-9708-019B960494DF}">
-              <a14:hiddenLine xmlns:a14="http://schemas.microsoft.com/office/drawing/2010/main" w="9525">
+              <a14:hiddenLine xmlns:a14="http://schemas.microsoft.com/office/drawing/2010/main" xmlns="" w="9525">
                 <a:solidFill>
                   <a:srgbClr val="000000"/>
                 </a:solidFill>
@@ -6530,7 +6505,7 @@
   <p:clrMapOvr>
     <a:overrideClrMapping bg1="lt1" tx1="dk1" bg2="lt2" tx2="dk2" accent1="accent1" accent2="accent2" accent3="accent3" accent4="accent4" accent5="accent5" accent6="accent6" hlink="hlink" folHlink="folHlink"/>
   </p:clrMapOvr>
-  <p:transition xmlns:p14="http://schemas.microsoft.com/office/powerpoint/2010/main" spd="med">
+  <p:transition spd="med">
     <p:fade/>
   </p:transition>
 </p:sldLayout>
@@ -6623,14 +6598,14 @@
           </a:ln>
           <a:extLst>
             <a:ext uri="{909E8E84-426E-40dd-AFC4-6F175D3DCCD1}">
-              <a14:hiddenFill xmlns:a14="http://schemas.microsoft.com/office/drawing/2010/main">
+              <a14:hiddenFill xmlns:a14="http://schemas.microsoft.com/office/drawing/2010/main" xmlns="">
                 <a:solidFill>
                   <a:srgbClr val="FFFFFF"/>
                 </a:solidFill>
               </a14:hiddenFill>
             </a:ext>
             <a:ext uri="{91240B29-F687-4f45-9708-019B960494DF}">
-              <a14:hiddenLine xmlns:a14="http://schemas.microsoft.com/office/drawing/2010/main" w="9525">
+              <a14:hiddenLine xmlns:a14="http://schemas.microsoft.com/office/drawing/2010/main" xmlns="" w="9525">
                 <a:solidFill>
                   <a:srgbClr val="000000"/>
                 </a:solidFill>
@@ -6652,7 +6627,7 @@
   <p:clrMapOvr>
     <a:masterClrMapping/>
   </p:clrMapOvr>
-  <p:transition xmlns:p14="http://schemas.microsoft.com/office/powerpoint/2010/main" spd="med">
+  <p:transition spd="med">
     <p:fade/>
   </p:transition>
 </p:sldLayout>
@@ -6939,7 +6914,7 @@
   <p:clrMapOvr>
     <a:masterClrMapping/>
   </p:clrMapOvr>
-  <p:transition xmlns:p14="http://schemas.microsoft.com/office/powerpoint/2010/main" spd="med">
+  <p:transition spd="med">
     <p:fade/>
   </p:transition>
 </p:sldLayout>
@@ -7156,14 +7131,14 @@
           </a:ln>
           <a:extLst>
             <a:ext uri="{909E8E84-426E-40dd-AFC4-6F175D3DCCD1}">
-              <a14:hiddenFill xmlns:a14="http://schemas.microsoft.com/office/drawing/2010/main">
+              <a14:hiddenFill xmlns:a14="http://schemas.microsoft.com/office/drawing/2010/main" xmlns="">
                 <a:solidFill>
                   <a:srgbClr val="FFFFFF"/>
                 </a:solidFill>
               </a14:hiddenFill>
             </a:ext>
             <a:ext uri="{91240B29-F687-4f45-9708-019B960494DF}">
-              <a14:hiddenLine xmlns:a14="http://schemas.microsoft.com/office/drawing/2010/main" w="9525">
+              <a14:hiddenLine xmlns:a14="http://schemas.microsoft.com/office/drawing/2010/main" xmlns="" w="9525">
                 <a:solidFill>
                   <a:srgbClr val="000000"/>
                 </a:solidFill>
@@ -7360,7 +7335,7 @@
   <p:clrMapOvr>
     <a:masterClrMapping/>
   </p:clrMapOvr>
-  <p:transition xmlns:p14="http://schemas.microsoft.com/office/powerpoint/2010/main" spd="med">
+  <p:transition spd="med">
     <p:fade/>
   </p:transition>
 </p:sldLayout>
@@ -7647,7 +7622,7 @@
   <p:clrMapOvr>
     <a:masterClrMapping/>
   </p:clrMapOvr>
-  <p:transition xmlns:p14="http://schemas.microsoft.com/office/powerpoint/2010/main" spd="med">
+  <p:transition spd="med">
     <p:fade/>
   </p:transition>
 </p:sldLayout>
@@ -7934,7 +7909,7 @@
   <p:clrMapOvr>
     <a:masterClrMapping/>
   </p:clrMapOvr>
-  <p:transition xmlns:p14="http://schemas.microsoft.com/office/powerpoint/2010/main" spd="med">
+  <p:transition spd="med">
     <p:fade/>
   </p:transition>
 </p:sldLayout>
@@ -8283,7 +8258,7 @@
   <p:clrMapOvr>
     <a:masterClrMapping/>
   </p:clrMapOvr>
-  <p:transition xmlns:p14="http://schemas.microsoft.com/office/powerpoint/2010/main" spd="med">
+  <p:transition spd="med">
     <p:fade/>
   </p:transition>
 </p:sldLayout>
@@ -8570,7 +8545,7 @@
   <p:clrMapOvr>
     <a:masterClrMapping/>
   </p:clrMapOvr>
-  <p:transition xmlns:p14="http://schemas.microsoft.com/office/powerpoint/2010/main" spd="med">
+  <p:transition spd="med">
     <p:fade/>
   </p:transition>
 </p:sldLayout>
@@ -8787,14 +8762,14 @@
           </a:ln>
           <a:extLst>
             <a:ext uri="{909E8E84-426E-40dd-AFC4-6F175D3DCCD1}">
-              <a14:hiddenFill xmlns:a14="http://schemas.microsoft.com/office/drawing/2010/main">
+              <a14:hiddenFill xmlns:a14="http://schemas.microsoft.com/office/drawing/2010/main" xmlns="">
                 <a:solidFill>
                   <a:srgbClr val="FFFFFF"/>
                 </a:solidFill>
               </a14:hiddenFill>
             </a:ext>
             <a:ext uri="{91240B29-F687-4f45-9708-019B960494DF}">
-              <a14:hiddenLine xmlns:a14="http://schemas.microsoft.com/office/drawing/2010/main" w="9525">
+              <a14:hiddenLine xmlns:a14="http://schemas.microsoft.com/office/drawing/2010/main" xmlns="" w="9525">
                 <a:solidFill>
                   <a:srgbClr val="000000"/>
                 </a:solidFill>
@@ -8991,7 +8966,7 @@
   <p:clrMapOvr>
     <a:masterClrMapping/>
   </p:clrMapOvr>
-  <p:transition xmlns:p14="http://schemas.microsoft.com/office/powerpoint/2010/main" spd="med">
+  <p:transition spd="med">
     <p:fade/>
   </p:transition>
 </p:sldLayout>
@@ -9168,7 +9143,7 @@
   <p:clrMapOvr>
     <a:masterClrMapping/>
   </p:clrMapOvr>
-  <p:transition xmlns:p14="http://schemas.microsoft.com/office/powerpoint/2010/main" spd="med">
+  <p:transition spd="med">
     <p:fade/>
   </p:transition>
 </p:sldLayout>
@@ -9456,7 +9431,7 @@
   <p:clrMapOvr>
     <a:masterClrMapping/>
   </p:clrMapOvr>
-  <p:transition xmlns:p14="http://schemas.microsoft.com/office/powerpoint/2010/main" spd="med">
+  <p:transition spd="med">
     <p:fade/>
   </p:transition>
 </p:sldLayout>
@@ -9768,7 +9743,7 @@
   <p:clrMapOvr>
     <a:masterClrMapping/>
   </p:clrMapOvr>
-  <p:transition xmlns:p14="http://schemas.microsoft.com/office/powerpoint/2010/main" spd="med">
+  <p:transition spd="med">
     <p:fade/>
   </p:transition>
 </p:sldLayout>
@@ -10072,7 +10047,7 @@
   <p:clrMapOvr>
     <a:masterClrMapping/>
   </p:clrMapOvr>
-  <p:transition xmlns:p14="http://schemas.microsoft.com/office/powerpoint/2010/main" spd="med">
+  <p:transition spd="med">
     <p:fade/>
   </p:transition>
 </p:sldLayout>
@@ -10148,14 +10123,14 @@
           </a:ln>
           <a:extLst>
             <a:ext uri="{909E8E84-426E-40dd-AFC4-6F175D3DCCD1}">
-              <a14:hiddenFill xmlns:a14="http://schemas.microsoft.com/office/drawing/2010/main">
+              <a14:hiddenFill xmlns:a14="http://schemas.microsoft.com/office/drawing/2010/main" xmlns="">
                 <a:solidFill>
                   <a:srgbClr val="FFFFFF"/>
                 </a:solidFill>
               </a14:hiddenFill>
             </a:ext>
             <a:ext uri="{91240B29-F687-4f45-9708-019B960494DF}">
-              <a14:hiddenLine xmlns:a14="http://schemas.microsoft.com/office/drawing/2010/main" w="9525">
+              <a14:hiddenLine xmlns:a14="http://schemas.microsoft.com/office/drawing/2010/main" xmlns="" w="9525">
                 <a:solidFill>
                   <a:srgbClr val="000000"/>
                 </a:solidFill>
@@ -10431,7 +10406,7 @@
   <p:clrMapOvr>
     <a:overrideClrMapping bg1="lt1" tx1="dk1" bg2="lt2" tx2="dk2" accent1="accent1" accent2="accent2" accent3="accent3" accent4="accent4" accent5="accent5" accent6="accent6" hlink="hlink" folHlink="folHlink"/>
   </p:clrMapOvr>
-  <p:transition xmlns:p14="http://schemas.microsoft.com/office/powerpoint/2010/main" spd="med">
+  <p:transition spd="med">
     <p:fade/>
   </p:transition>
 </p:sldLayout>
@@ -10637,7 +10612,7 @@
   <p:clrMapOvr>
     <a:overrideClrMapping bg1="lt1" tx1="dk1" bg2="lt2" tx2="dk2" accent1="accent1" accent2="accent2" accent3="accent3" accent4="accent4" accent5="accent5" accent6="accent6" hlink="hlink" folHlink="folHlink"/>
   </p:clrMapOvr>
-  <p:transition xmlns:p14="http://schemas.microsoft.com/office/powerpoint/2010/main" spd="med">
+  <p:transition spd="med">
     <p:fade/>
   </p:transition>
 </p:sldLayout>
@@ -10713,14 +10688,14 @@
           </a:ln>
           <a:extLst>
             <a:ext uri="{909E8E84-426E-40dd-AFC4-6F175D3DCCD1}">
-              <a14:hiddenFill xmlns:a14="http://schemas.microsoft.com/office/drawing/2010/main">
+              <a14:hiddenFill xmlns:a14="http://schemas.microsoft.com/office/drawing/2010/main" xmlns="">
                 <a:solidFill>
                   <a:srgbClr val="FFFFFF"/>
                 </a:solidFill>
               </a14:hiddenFill>
             </a:ext>
             <a:ext uri="{91240B29-F687-4f45-9708-019B960494DF}">
-              <a14:hiddenLine xmlns:a14="http://schemas.microsoft.com/office/drawing/2010/main" w="9525">
+              <a14:hiddenLine xmlns:a14="http://schemas.microsoft.com/office/drawing/2010/main" xmlns="" w="9525">
                 <a:solidFill>
                   <a:srgbClr val="000000"/>
                 </a:solidFill>
@@ -11003,7 +10978,7 @@
   <p:clrMapOvr>
     <a:overrideClrMapping bg1="lt1" tx1="dk1" bg2="lt2" tx2="dk2" accent1="accent1" accent2="accent2" accent3="accent3" accent4="accent4" accent5="accent5" accent6="accent6" hlink="hlink" folHlink="folHlink"/>
   </p:clrMapOvr>
-  <p:transition xmlns:p14="http://schemas.microsoft.com/office/powerpoint/2010/main" spd="med">
+  <p:transition spd="med">
     <p:fade/>
   </p:transition>
 </p:sldLayout>
@@ -11211,7 +11186,7 @@
   <p:clrMapOvr>
     <a:overrideClrMapping bg1="lt1" tx1="dk1" bg2="lt2" tx2="dk2" accent1="accent1" accent2="accent2" accent3="accent3" accent4="accent4" accent5="accent5" accent6="accent6" hlink="hlink" folHlink="folHlink"/>
   </p:clrMapOvr>
-  <p:transition xmlns:p14="http://schemas.microsoft.com/office/powerpoint/2010/main" spd="med">
+  <p:transition spd="med">
     <p:fade/>
   </p:transition>
 </p:sldLayout>
@@ -11287,14 +11262,14 @@
           </a:ln>
           <a:extLst>
             <a:ext uri="{909E8E84-426E-40dd-AFC4-6F175D3DCCD1}">
-              <a14:hiddenFill xmlns:a14="http://schemas.microsoft.com/office/drawing/2010/main">
+              <a14:hiddenFill xmlns:a14="http://schemas.microsoft.com/office/drawing/2010/main" xmlns="">
                 <a:solidFill>
                   <a:srgbClr val="FFFFFF"/>
                 </a:solidFill>
               </a14:hiddenFill>
             </a:ext>
             <a:ext uri="{91240B29-F687-4f45-9708-019B960494DF}">
-              <a14:hiddenLine xmlns:a14="http://schemas.microsoft.com/office/drawing/2010/main" w="9525">
+              <a14:hiddenLine xmlns:a14="http://schemas.microsoft.com/office/drawing/2010/main" xmlns="" w="9525">
                 <a:solidFill>
                   <a:srgbClr val="000000"/>
                 </a:solidFill>
@@ -11562,7 +11537,7 @@
   <p:clrMapOvr>
     <a:overrideClrMapping bg1="lt1" tx1="dk1" bg2="lt2" tx2="dk2" accent1="accent1" accent2="accent2" accent3="accent3" accent4="accent4" accent5="accent5" accent6="accent6" hlink="hlink" folHlink="folHlink"/>
   </p:clrMapOvr>
-  <p:transition xmlns:p14="http://schemas.microsoft.com/office/powerpoint/2010/main" spd="med">
+  <p:transition spd="med">
     <p:fade/>
   </p:transition>
 </p:sldLayout>
@@ -11790,7 +11765,7 @@
   <p:clrMapOvr>
     <a:overrideClrMapping bg1="lt1" tx1="dk1" bg2="lt2" tx2="dk2" accent1="accent1" accent2="accent2" accent3="accent3" accent4="accent4" accent5="accent5" accent6="accent6" hlink="hlink" folHlink="folHlink"/>
   </p:clrMapOvr>
-  <p:transition xmlns:p14="http://schemas.microsoft.com/office/powerpoint/2010/main" spd="med">
+  <p:transition spd="med">
     <p:fade/>
   </p:transition>
 </p:sldLayout>
@@ -12078,7 +12053,7 @@
   <p:clrMapOvr>
     <a:overrideClrMapping bg1="lt1" tx1="dk1" bg2="lt2" tx2="dk2" accent1="accent1" accent2="accent2" accent3="accent3" accent4="accent4" accent5="accent5" accent6="accent6" hlink="hlink" folHlink="folHlink"/>
   </p:clrMapOvr>
-  <p:transition xmlns:p14="http://schemas.microsoft.com/office/powerpoint/2010/main" spd="med">
+  <p:transition spd="med">
     <p:fade/>
   </p:transition>
 </p:sldLayout>
@@ -12234,14 +12209,14 @@
           </a:ln>
           <a:extLst>
             <a:ext uri="{909E8E84-426E-40dd-AFC4-6F175D3DCCD1}">
-              <a14:hiddenFill xmlns:a14="http://schemas.microsoft.com/office/drawing/2010/main">
+              <a14:hiddenFill xmlns:a14="http://schemas.microsoft.com/office/drawing/2010/main" xmlns="">
                 <a:solidFill>
                   <a:srgbClr val="FFFFFF"/>
                 </a:solidFill>
               </a14:hiddenFill>
             </a:ext>
             <a:ext uri="{91240B29-F687-4f45-9708-019B960494DF}">
-              <a14:hiddenLine xmlns:a14="http://schemas.microsoft.com/office/drawing/2010/main" w="9525">
+              <a14:hiddenLine xmlns:a14="http://schemas.microsoft.com/office/drawing/2010/main" xmlns="" w="9525">
                 <a:solidFill>
                   <a:srgbClr val="000000"/>
                 </a:solidFill>
@@ -12504,13 +12479,13 @@
     <p:sldLayoutId id="2147483867" r:id="rId13"/>
     <p:sldLayoutId id="2147483869" r:id="rId14"/>
   </p:sldLayoutIdLst>
-  <p:transition xmlns:p14="http://schemas.microsoft.com/office/powerpoint/2010/main" spd="med">
+  <p:transition spd="med">
     <p:fade/>
   </p:transition>
   <p:timing>
     <p:tnLst>
       <p:par>
-        <p:cTn xmlns:p14="http://schemas.microsoft.com/office/powerpoint/2010/main" id="1" dur="indefinite" restart="never" nodeType="tmRoot"/>
+        <p:cTn id="1" dur="indefinite" restart="never" nodeType="tmRoot"/>
       </p:par>
     </p:tnLst>
   </p:timing>
@@ -13038,14 +13013,14 @@
           </a:ln>
           <a:extLst>
             <a:ext uri="{909E8E84-426E-40dd-AFC4-6F175D3DCCD1}">
-              <a14:hiddenFill xmlns:a14="http://schemas.microsoft.com/office/drawing/2010/main">
+              <a14:hiddenFill xmlns:a14="http://schemas.microsoft.com/office/drawing/2010/main" xmlns="">
                 <a:solidFill>
                   <a:srgbClr val="FFFFFF"/>
                 </a:solidFill>
               </a14:hiddenFill>
             </a:ext>
             <a:ext uri="{91240B29-F687-4f45-9708-019B960494DF}">
-              <a14:hiddenLine xmlns:a14="http://schemas.microsoft.com/office/drawing/2010/main" w="9525">
+              <a14:hiddenLine xmlns:a14="http://schemas.microsoft.com/office/drawing/2010/main" xmlns="" w="9525">
                 <a:solidFill>
                   <a:srgbClr val="000000"/>
                 </a:solidFill>
@@ -13355,13 +13330,13 @@
     <p:sldLayoutId id="2147483856" r:id="rId7"/>
     <p:sldLayoutId id="2147483866" r:id="rId8"/>
   </p:sldLayoutIdLst>
-  <p:transition xmlns:p14="http://schemas.microsoft.com/office/powerpoint/2010/main" spd="med">
+  <p:transition spd="med">
     <p:fade/>
   </p:transition>
   <p:timing>
     <p:tnLst>
       <p:par>
-        <p:cTn xmlns:p14="http://schemas.microsoft.com/office/powerpoint/2010/main" id="1" dur="indefinite" restart="never" nodeType="tmRoot"/>
+        <p:cTn id="1" dur="indefinite" restart="never" nodeType="tmRoot"/>
       </p:par>
     </p:tnLst>
   </p:timing>
@@ -13859,13 +13834,13 @@
   <p:clrMapOvr>
     <a:masterClrMapping/>
   </p:clrMapOvr>
-  <p:transition xmlns:p14="http://schemas.microsoft.com/office/powerpoint/2010/main" spd="med">
+  <p:transition spd="med">
     <p:fade/>
   </p:transition>
   <p:timing>
     <p:tnLst>
       <p:par>
-        <p:cTn xmlns:p14="http://schemas.microsoft.com/office/powerpoint/2010/main" id="1" dur="indefinite" restart="never" nodeType="tmRoot"/>
+        <p:cTn id="1" dur="indefinite" restart="never" nodeType="tmRoot"/>
       </p:par>
     </p:tnLst>
   </p:timing>
@@ -13968,7 +13943,6 @@
               <a:rPr lang="en-US" sz="2400" dirty="0"/>
               <a:t>Checking connectivity... done.</a:t>
             </a:r>
-            <a:endParaRPr lang="en-US" sz="2400" dirty="0"/>
           </a:p>
         </p:txBody>
       </p:sp>
@@ -14052,7 +14026,7 @@
   <p:clrMapOvr>
     <a:masterClrMapping/>
   </p:clrMapOvr>
-  <p:transition xmlns:p14="http://schemas.microsoft.com/office/powerpoint/2010/main" spd="med">
+  <p:transition spd="med">
     <p:fade/>
   </p:transition>
 </p:sld>
@@ -14263,7 +14237,7 @@
   <p:clrMapOvr>
     <a:masterClrMapping/>
   </p:clrMapOvr>
-  <p:transition xmlns:p14="http://schemas.microsoft.com/office/powerpoint/2010/main" spd="med">
+  <p:transition spd="med">
     <p:fade/>
   </p:transition>
 </p:sld>
@@ -14523,7 +14497,7 @@
   <p:clrMapOvr>
     <a:masterClrMapping/>
   </p:clrMapOvr>
-  <p:transition xmlns:p14="http://schemas.microsoft.com/office/powerpoint/2010/main" spd="med">
+  <p:transition spd="med">
     <p:fade/>
   </p:transition>
 </p:sld>
@@ -14866,7 +14840,6 @@
               <a:rPr lang="en-US" dirty="0"/>
               <a:t>", "~&gt; 2.6.4"</a:t>
             </a:r>
-            <a:endParaRPr lang="en-US" dirty="0"/>
           </a:p>
         </p:txBody>
       </p:sp>
@@ -14915,7 +14888,7 @@
   <p:clrMapOvr>
     <a:masterClrMapping/>
   </p:clrMapOvr>
-  <p:transition xmlns:p14="http://schemas.microsoft.com/office/powerpoint/2010/main" spd="med">
+  <p:transition spd="med">
     <p:fade/>
   </p:transition>
 </p:sld>
@@ -15160,7 +15133,7 @@
   <p:clrMapOvr>
     <a:masterClrMapping/>
   </p:clrMapOvr>
-  <p:transition xmlns:p14="http://schemas.microsoft.com/office/powerpoint/2010/main" spd="med">
+  <p:transition spd="med">
     <p:fade/>
   </p:transition>
 </p:sld>
@@ -15358,7 +15331,6 @@
               <a:rPr lang="en-US" dirty="0"/>
               <a:t>/exception"</a:t>
             </a:r>
-            <a:endParaRPr lang="en-US" dirty="0"/>
           </a:p>
         </p:txBody>
       </p:sp>
@@ -15407,7 +15379,7 @@
   <p:clrMapOvr>
     <a:masterClrMapping/>
   </p:clrMapOvr>
-  <p:transition xmlns:p14="http://schemas.microsoft.com/office/powerpoint/2010/main" spd="med">
+  <p:transition spd="med">
     <p:fade/>
   </p:transition>
 </p:sld>
@@ -15678,7 +15650,7 @@
   <p:clrMapOvr>
     <a:masterClrMapping/>
   </p:clrMapOvr>
-  <p:transition xmlns:p14="http://schemas.microsoft.com/office/powerpoint/2010/main" spd="med">
+  <p:transition spd="med">
     <p:fade/>
   </p:transition>
 </p:sld>
@@ -15825,13 +15797,13 @@
   <p:clrMapOvr>
     <a:masterClrMapping/>
   </p:clrMapOvr>
-  <p:transition xmlns:p14="http://schemas.microsoft.com/office/powerpoint/2010/main" spd="med">
+  <p:transition spd="med">
     <p:fade/>
   </p:transition>
   <p:timing>
     <p:tnLst>
       <p:par>
-        <p:cTn xmlns:p14="http://schemas.microsoft.com/office/powerpoint/2010/main" id="1" dur="indefinite" restart="never" nodeType="tmRoot"/>
+        <p:cTn id="1" dur="indefinite" restart="never" nodeType="tmRoot"/>
       </p:par>
     </p:tnLst>
   </p:timing>
@@ -16049,19 +16021,6 @@
               </a:rPr>
               <a:t> 7</a:t>
             </a:r>
-            <a:endParaRPr lang="en-US" sz="8000" dirty="0" smtClean="0">
-              <a:gradFill>
-                <a:gsLst>
-                  <a:gs pos="0">
-                    <a:srgbClr val="FFFFFF"/>
-                  </a:gs>
-                  <a:gs pos="100000">
-                    <a:srgbClr val="FFFFFF"/>
-                  </a:gs>
-                </a:gsLst>
-                <a:lin ang="5400000" scaled="0"/>
-              </a:gradFill>
-            </a:endParaRPr>
           </a:p>
         </p:txBody>
       </p:sp>
@@ -16125,7 +16084,6 @@
               <a:rPr lang="en-US" sz="2000" b="1" dirty="0" smtClean="0"/>
               <a:t>6</a:t>
             </a:r>
-            <a:endParaRPr lang="en-US" sz="2000" b="1" dirty="0" smtClean="0"/>
           </a:p>
         </p:txBody>
       </p:sp>
@@ -16189,7 +16147,6 @@
               <a:rPr lang="en-US" sz="2000" b="1" dirty="0" smtClean="0"/>
               <a:t>7</a:t>
             </a:r>
-            <a:endParaRPr lang="en-US" sz="2000" b="1" dirty="0" smtClean="0"/>
           </a:p>
         </p:txBody>
       </p:sp>
@@ -16272,19 +16229,6 @@
               </a:rPr>
               <a:t> 8</a:t>
             </a:r>
-            <a:endParaRPr lang="en-US" sz="8000" dirty="0" smtClean="0">
-              <a:gradFill>
-                <a:gsLst>
-                  <a:gs pos="0">
-                    <a:srgbClr val="FFFFFF"/>
-                  </a:gs>
-                  <a:gs pos="100000">
-                    <a:srgbClr val="FFFFFF"/>
-                  </a:gs>
-                </a:gsLst>
-                <a:lin ang="5400000" scaled="0"/>
-              </a:gradFill>
-            </a:endParaRPr>
           </a:p>
         </p:txBody>
       </p:sp>
@@ -16356,7 +16300,6 @@
               <a:rPr lang="en-US" sz="2000" b="1" dirty="0" smtClean="0"/>
               <a:t>-8</a:t>
             </a:r>
-            <a:endParaRPr lang="en-US" sz="2000" b="1" dirty="0" smtClean="0"/>
           </a:p>
         </p:txBody>
       </p:sp>
@@ -16370,13 +16313,13 @@
   <p:clrMapOvr>
     <a:masterClrMapping/>
   </p:clrMapOvr>
-  <p:transition xmlns:p14="http://schemas.microsoft.com/office/powerpoint/2010/main" spd="med">
+  <p:transition spd="med">
     <p:fade/>
   </p:transition>
   <p:timing>
     <p:tnLst>
       <p:par>
-        <p:cTn xmlns:p14="http://schemas.microsoft.com/office/powerpoint/2010/main" id="1" dur="indefinite" restart="never" nodeType="tmRoot"/>
+        <p:cTn id="1" dur="indefinite" restart="never" nodeType="tmRoot"/>
       </p:par>
     </p:tnLst>
   </p:timing>
@@ -16481,19 +16424,6 @@
               </a:rPr>
               <a:t> 7</a:t>
             </a:r>
-            <a:endParaRPr lang="en-US" sz="8000" dirty="0" smtClean="0">
-              <a:gradFill>
-                <a:gsLst>
-                  <a:gs pos="0">
-                    <a:srgbClr val="FFFFFF"/>
-                  </a:gs>
-                  <a:gs pos="100000">
-                    <a:srgbClr val="FFFFFF"/>
-                  </a:gs>
-                </a:gsLst>
-                <a:lin ang="5400000" scaled="0"/>
-              </a:gradFill>
-            </a:endParaRPr>
           </a:p>
         </p:txBody>
       </p:sp>
@@ -16662,19 +16592,6 @@
               </a:rPr>
               <a:t> 8</a:t>
             </a:r>
-            <a:endParaRPr lang="en-US" sz="8000" dirty="0" smtClean="0">
-              <a:gradFill>
-                <a:gsLst>
-                  <a:gs pos="0">
-                    <a:srgbClr val="FFFFFF"/>
-                  </a:gs>
-                  <a:gs pos="100000">
-                    <a:srgbClr val="FFFFFF"/>
-                  </a:gs>
-                </a:gsLst>
-                <a:lin ang="5400000" scaled="0"/>
-              </a:gradFill>
-            </a:endParaRPr>
           </a:p>
         </p:txBody>
       </p:sp>
@@ -16768,13 +16685,13 @@
   <p:clrMapOvr>
     <a:masterClrMapping/>
   </p:clrMapOvr>
-  <p:transition xmlns:p14="http://schemas.microsoft.com/office/powerpoint/2010/main" spd="med">
+  <p:transition spd="med">
     <p:fade/>
   </p:transition>
   <p:timing>
     <p:tnLst>
       <p:par>
-        <p:cTn xmlns:p14="http://schemas.microsoft.com/office/powerpoint/2010/main" id="1" dur="indefinite" restart="never" nodeType="tmRoot"/>
+        <p:cTn id="1" dur="indefinite" restart="never" nodeType="tmRoot"/>
       </p:par>
     </p:tnLst>
   </p:timing>
@@ -17594,7 +17511,7 @@
   <p:clrMapOvr>
     <a:masterClrMapping/>
   </p:clrMapOvr>
-  <p:transition xmlns:p14="http://schemas.microsoft.com/office/powerpoint/2010/main" spd="med">
+  <p:transition spd="med">
     <p:fade/>
   </p:transition>
 </p:sld>
@@ -17634,15 +17551,7 @@
           <a:p>
             <a:r>
               <a:rPr lang="en-US" dirty="0" smtClean="0"/>
-              <a:t>Viewing the </a:t>
-            </a:r>
-            <a:r>
-              <a:rPr lang="en-US" dirty="0" smtClean="0"/>
-              <a:t>Languages </a:t>
-            </a:r>
-            <a:r>
-              <a:rPr lang="en-US" dirty="0" smtClean="0"/>
-              <a:t>Plugin</a:t>
+              <a:t>Viewing the Languages Plugin</a:t>
             </a:r>
             <a:endParaRPr lang="en-US" dirty="0"/>
           </a:p>
@@ -17773,13 +17682,13 @@
   <p:clrMapOvr>
     <a:masterClrMapping/>
   </p:clrMapOvr>
-  <p:transition xmlns:p14="http://schemas.microsoft.com/office/powerpoint/2010/main" spd="med">
+  <p:transition spd="med">
     <p:fade/>
   </p:transition>
   <p:timing>
     <p:tnLst>
       <p:par>
-        <p:cTn xmlns:p14="http://schemas.microsoft.com/office/powerpoint/2010/main" id="1" dur="indefinite" restart="never" nodeType="tmRoot"/>
+        <p:cTn id="1" dur="indefinite" restart="never" nodeType="tmRoot"/>
       </p:par>
     </p:tnLst>
   </p:timing>
@@ -17805,37 +17714,6 @@
       </p:grpSpPr>
       <p:sp>
         <p:nvSpPr>
-          <p:cNvPr id="2" name="Title 1"/>
-          <p:cNvSpPr>
-            <a:spLocks noGrp="1"/>
-          </p:cNvSpPr>
-          <p:nvPr>
-            <p:ph type="title"/>
-          </p:nvPr>
-        </p:nvSpPr>
-        <p:spPr/>
-        <p:txBody>
-          <a:bodyPr/>
-          <a:lstStyle/>
-          <a:p>
-            <a:r>
-              <a:rPr lang="en-US" dirty="0" smtClean="0"/>
-              <a:t>Viewing the </a:t>
-            </a:r>
-            <a:r>
-              <a:rPr lang="en-US" dirty="0" smtClean="0"/>
-              <a:t>Languages </a:t>
-            </a:r>
-            <a:r>
-              <a:rPr lang="en-US" dirty="0" smtClean="0"/>
-              <a:t>Plugin</a:t>
-            </a:r>
-            <a:endParaRPr lang="en-US" dirty="0"/>
-          </a:p>
-        </p:txBody>
-      </p:sp>
-      <p:sp>
-        <p:nvSpPr>
           <p:cNvPr id="3" name="Content Placeholder 2"/>
           <p:cNvSpPr>
             <a:spLocks noGrp="1"/>
@@ -17921,6 +17799,72 @@
               <a:t>end</a:t>
             </a:r>
             <a:endParaRPr lang="en-US" b="1" dirty="0"/>
+          </a:p>
+        </p:txBody>
+      </p:sp>
+      <p:sp>
+        <p:nvSpPr>
+          <p:cNvPr id="21" name="Right Bracket 20"/>
+          <p:cNvSpPr/>
+          <p:nvPr/>
+        </p:nvSpPr>
+        <p:spPr>
+          <a:xfrm>
+            <a:off x="5486402" y="3226456"/>
+            <a:ext cx="593558" cy="1510279"/>
+          </a:xfrm>
+          <a:prstGeom prst="rightBracket">
+            <a:avLst/>
+          </a:prstGeom>
+          <a:ln w="63500">
+            <a:solidFill>
+              <a:schemeClr val="accent1"/>
+            </a:solidFill>
+          </a:ln>
+        </p:spPr>
+        <p:style>
+          <a:lnRef idx="3">
+            <a:schemeClr val="accent1"/>
+          </a:lnRef>
+          <a:fillRef idx="0">
+            <a:schemeClr val="accent1"/>
+          </a:fillRef>
+          <a:effectRef idx="2">
+            <a:schemeClr val="accent1"/>
+          </a:effectRef>
+          <a:fontRef idx="minor">
+            <a:schemeClr val="tx1"/>
+          </a:fontRef>
+        </p:style>
+        <p:txBody>
+          <a:bodyPr rtlCol="0" anchor="ctr"/>
+          <a:lstStyle/>
+          <a:p>
+            <a:pPr algn="ctr"/>
+            <a:endParaRPr lang="en-US"/>
+          </a:p>
+        </p:txBody>
+      </p:sp>
+      <p:sp>
+        <p:nvSpPr>
+          <p:cNvPr id="2" name="Title 1"/>
+          <p:cNvSpPr>
+            <a:spLocks noGrp="1"/>
+          </p:cNvSpPr>
+          <p:nvPr>
+            <p:ph type="title"/>
+          </p:nvPr>
+        </p:nvSpPr>
+        <p:spPr/>
+        <p:txBody>
+          <a:bodyPr/>
+          <a:lstStyle/>
+          <a:p>
+            <a:r>
+              <a:rPr lang="en-US" dirty="0" smtClean="0"/>
+              <a:t>Viewing the Languages Plugin</a:t>
+            </a:r>
+            <a:endParaRPr lang="en-US" dirty="0"/>
           </a:p>
         </p:txBody>
       </p:sp>
@@ -18147,13 +18091,8 @@
           <a:p>
             <a:r>
               <a:rPr lang="en-US" b="1" dirty="0" smtClean="0"/>
-              <a:t>Code executed on all platforms and stored </a:t>
-            </a:r>
-            <a:r>
-              <a:rPr lang="en-US" b="1" dirty="0" smtClean="0"/>
-              <a:t>in the provided attribute(s).</a:t>
-            </a:r>
-            <a:endParaRPr lang="en-US" b="1" dirty="0" smtClean="0"/>
+              <a:t>Code executed on all platforms and stored in the provided attribute(s).</a:t>
+            </a:r>
           </a:p>
         </p:txBody>
       </p:sp>
@@ -18167,16 +18106,17 @@
         </p:nvCxnSpPr>
         <p:spPr>
           <a:xfrm flipH="1" flipV="1">
-            <a:off x="6397625" y="2905125"/>
-            <a:ext cx="2746375" cy="1544638"/>
+            <a:off x="6079959" y="2884612"/>
+            <a:ext cx="3064041" cy="1565151"/>
           </a:xfrm>
           <a:prstGeom prst="line">
             <a:avLst/>
           </a:prstGeom>
-          <a:ln>
+          <a:ln w="63500">
             <a:solidFill>
               <a:schemeClr val="accent5"/>
             </a:solidFill>
+            <a:tailEnd type="oval" w="lg" len="lg"/>
           </a:ln>
         </p:spPr>
         <p:style>
@@ -18199,21 +18139,23 @@
           <p:cNvPr id="13" name="Straight Connector 12"/>
           <p:cNvCxnSpPr>
             <a:stCxn id="9" idx="1"/>
+            <a:endCxn id="21" idx="2"/>
           </p:cNvCxnSpPr>
           <p:nvPr/>
         </p:nvCxnSpPr>
         <p:spPr>
           <a:xfrm flipH="1" flipV="1">
-            <a:off x="6318250" y="4079875"/>
-            <a:ext cx="2825750" cy="1612900"/>
+            <a:off x="6079960" y="3981596"/>
+            <a:ext cx="3064040" cy="1711179"/>
           </a:xfrm>
           <a:prstGeom prst="line">
             <a:avLst/>
           </a:prstGeom>
-          <a:ln>
+          <a:ln w="63500">
             <a:solidFill>
               <a:schemeClr val="accent1"/>
             </a:solidFill>
+            <a:tailEnd type="oval" w="lg" len="lg"/>
           </a:ln>
         </p:spPr>
         <p:style>
@@ -18241,16 +18183,17 @@
         </p:nvCxnSpPr>
         <p:spPr>
           <a:xfrm flipH="1" flipV="1">
-            <a:off x="5978525" y="2438401"/>
-            <a:ext cx="3165474" cy="577849"/>
+            <a:off x="6079959" y="2401054"/>
+            <a:ext cx="3064040" cy="615196"/>
           </a:xfrm>
           <a:prstGeom prst="line">
             <a:avLst/>
           </a:prstGeom>
-          <a:ln>
+          <a:ln w="63500">
             <a:solidFill>
               <a:schemeClr val="accent4"/>
             </a:solidFill>
+            <a:tailEnd type="oval" w="lg" len="lg"/>
           </a:ln>
         </p:spPr>
         <p:style>
@@ -18278,9 +18221,16 @@
   <p:clrMapOvr>
     <a:masterClrMapping/>
   </p:clrMapOvr>
-  <p:transition xmlns:p14="http://schemas.microsoft.com/office/powerpoint/2010/main" spd="med">
+  <p:transition spd="med">
     <p:fade/>
   </p:transition>
+  <p:timing>
+    <p:tnLst>
+      <p:par>
+        <p:cTn id="1" dur="indefinite" restart="never" nodeType="tmRoot"/>
+      </p:par>
+    </p:tnLst>
+  </p:timing>
 </p:sld>
 </file>
 
@@ -18527,7 +18477,6 @@
               <a:rPr lang="en-US" dirty="0" smtClean="0"/>
               <a:t>.</a:t>
             </a:r>
-            <a:endParaRPr lang="en-US" dirty="0" smtClean="0"/>
           </a:p>
         </p:txBody>
       </p:sp>
@@ -18541,9 +18490,16 @@
   <p:clrMapOvr>
     <a:masterClrMapping/>
   </p:clrMapOvr>
-  <p:transition xmlns:p14="http://schemas.microsoft.com/office/powerpoint/2010/main" spd="med">
+  <p:transition spd="med">
     <p:fade/>
   </p:transition>
+  <p:timing>
+    <p:tnLst>
+      <p:par>
+        <p:cTn id="1" dur="indefinite" restart="never" nodeType="tmRoot"/>
+      </p:par>
+    </p:tnLst>
+  </p:timing>
 </p:sld>
 </file>
 
@@ -18723,13 +18679,6 @@
               </a:rPr>
               <a:t>=&gt; nil</a:t>
             </a:r>
-            <a:endParaRPr lang="en-US" sz="2400" b="1" dirty="0">
-              <a:solidFill>
-                <a:schemeClr val="bg1"/>
-              </a:solidFill>
-              <a:latin typeface="Courier New"/>
-              <a:cs typeface="Courier New"/>
-            </a:endParaRPr>
           </a:p>
         </p:txBody>
       </p:sp>
@@ -18767,7 +18716,6 @@
               <a:rPr lang="en-US" b="1" dirty="0" smtClean="0"/>
               <a:t>ey</a:t>
             </a:r>
-            <a:endParaRPr lang="en-US" b="1" dirty="0" smtClean="0"/>
           </a:p>
         </p:txBody>
       </p:sp>
@@ -19105,7 +19053,6 @@
               <a:rPr lang="en-US" b="1" dirty="0" smtClean="0"/>
               <a:t>ey</a:t>
             </a:r>
-            <a:endParaRPr lang="en-US" b="1" dirty="0" smtClean="0"/>
           </a:p>
         </p:txBody>
       </p:sp>
@@ -19119,7 +19066,7 @@
   <p:clrMapOvr>
     <a:masterClrMapping/>
   </p:clrMapOvr>
-  <p:transition xmlns:p14="http://schemas.microsoft.com/office/powerpoint/2010/main" spd="med">
+  <p:transition spd="med">
     <p:fade/>
   </p:transition>
 </p:sld>
@@ -19419,7 +19366,6 @@
               <a:rPr lang="en-US" b="1" dirty="0" smtClean="0"/>
               <a:t>ey</a:t>
             </a:r>
-            <a:endParaRPr lang="en-US" b="1" dirty="0" smtClean="0"/>
           </a:p>
         </p:txBody>
       </p:sp>
@@ -19865,13 +19811,6 @@
               </a:rPr>
               <a:t>=&gt; "Chef"</a:t>
             </a:r>
-            <a:endParaRPr lang="en-US" sz="2000" b="1" dirty="0">
-              <a:solidFill>
-                <a:schemeClr val="bg1"/>
-              </a:solidFill>
-              <a:latin typeface="Courier New"/>
-              <a:cs typeface="Courier New"/>
-            </a:endParaRPr>
           </a:p>
         </p:txBody>
       </p:sp>
@@ -19909,7 +19848,6 @@
               <a:rPr lang="en-US" b="1" dirty="0" smtClean="0"/>
               <a:t>ey</a:t>
             </a:r>
-            <a:endParaRPr lang="en-US" b="1" dirty="0" smtClean="0"/>
           </a:p>
         </p:txBody>
       </p:sp>
@@ -19923,7 +19861,7 @@
   <p:clrMapOvr>
     <a:masterClrMapping/>
   </p:clrMapOvr>
-  <p:transition xmlns:p14="http://schemas.microsoft.com/office/powerpoint/2010/main" spd="med">
+  <p:transition spd="med">
     <p:fade/>
   </p:transition>
 </p:sld>
@@ -20070,7 +20008,7 @@
   <p:clrMapOvr>
     <a:masterClrMapping/>
   </p:clrMapOvr>
-  <p:transition xmlns:p14="http://schemas.microsoft.com/office/powerpoint/2010/main" spd="med">
+  <p:transition spd="med">
     <p:fade/>
   </p:transition>
 </p:sld>
@@ -20275,7 +20213,6 @@
               <a:rPr lang="en-US" dirty="0"/>
               <a:t> &gt;= 6</a:t>
             </a:r>
-            <a:endParaRPr lang="en-US" dirty="0"/>
           </a:p>
         </p:txBody>
       </p:sp>
@@ -20429,7 +20366,6 @@
               <a:rPr lang="en-US" b="1" dirty="0" smtClean="0"/>
               <a:t>This plugin depends on the attributes in the Languages to be defined</a:t>
             </a:r>
-            <a:endParaRPr lang="en-US" b="1" dirty="0" smtClean="0"/>
           </a:p>
         </p:txBody>
       </p:sp>
@@ -20443,16 +20379,17 @@
         </p:nvCxnSpPr>
         <p:spPr>
           <a:xfrm flipH="1" flipV="1">
-            <a:off x="6111876" y="2714625"/>
-            <a:ext cx="3032124" cy="84138"/>
+            <a:off x="6368716" y="2646947"/>
+            <a:ext cx="2775284" cy="151816"/>
           </a:xfrm>
           <a:prstGeom prst="line">
             <a:avLst/>
           </a:prstGeom>
-          <a:ln>
+          <a:ln w="63500">
             <a:solidFill>
               <a:schemeClr val="accent5"/>
             </a:solidFill>
+            <a:tailEnd type="oval" w="lg" len="lg"/>
           </a:ln>
         </p:spPr>
         <p:style>
@@ -20480,16 +20417,17 @@
         </p:nvCxnSpPr>
         <p:spPr>
           <a:xfrm flipH="1" flipV="1">
-            <a:off x="4921250" y="3460750"/>
-            <a:ext cx="4222750" cy="549275"/>
+            <a:off x="4924926" y="3383381"/>
+            <a:ext cx="4219074" cy="626644"/>
           </a:xfrm>
           <a:prstGeom prst="line">
             <a:avLst/>
           </a:prstGeom>
-          <a:ln>
+          <a:ln w="63500">
             <a:solidFill>
               <a:srgbClr val="660066"/>
             </a:solidFill>
+            <a:tailEnd type="oval" w="lg" len="lg"/>
           </a:ln>
         </p:spPr>
         <p:style>
@@ -20517,7 +20455,7 @@
   <p:clrMapOvr>
     <a:masterClrMapping/>
   </p:clrMapOvr>
-  <p:transition xmlns:p14="http://schemas.microsoft.com/office/powerpoint/2010/main" spd="med">
+  <p:transition spd="med">
     <p:fade/>
   </p:transition>
 </p:sld>
@@ -20722,7 +20660,6 @@
               <a:rPr lang="en-US" dirty="0"/>
               <a:t> &gt;= 6</a:t>
             </a:r>
-            <a:endParaRPr lang="en-US" dirty="0"/>
           </a:p>
         </p:txBody>
       </p:sp>
@@ -20844,7 +20781,7 @@
   <p:clrMapOvr>
     <a:masterClrMapping/>
   </p:clrMapOvr>
-  <p:transition xmlns:p14="http://schemas.microsoft.com/office/powerpoint/2010/main" spd="med">
+  <p:transition spd="med">
     <p:fade/>
   </p:transition>
 </p:sld>
@@ -20945,7 +20882,7 @@
   <p:clrMapOvr>
     <a:masterClrMapping/>
   </p:clrMapOvr>
-  <p:transition xmlns:p14="http://schemas.microsoft.com/office/powerpoint/2010/main" spd="med">
+  <p:transition spd="med">
     <p:fade/>
   </p:transition>
 </p:sld>
@@ -21096,7 +21033,7 @@
   <p:clrMapOvr>
     <a:masterClrMapping/>
   </p:clrMapOvr>
-  <p:transition xmlns:p14="http://schemas.microsoft.com/office/powerpoint/2010/main" spd="med">
+  <p:transition spd="med">
     <p:fade/>
   </p:transition>
 </p:sld>
@@ -21190,11 +21127,7 @@
             </a:pPr>
             <a:r>
               <a:rPr lang="en-US" dirty="0" smtClean="0"/>
-              <a:t>Express what a plugin provides, depends on, and how it collects its </a:t>
-            </a:r>
-            <a:r>
-              <a:rPr lang="en-US" dirty="0" smtClean="0"/>
-              <a:t>data</a:t>
+              <a:t>Express what a plugin provides, depends on, and how it collects its data</a:t>
             </a:r>
             <a:endParaRPr lang="en-US" dirty="0"/>
           </a:p>
@@ -21210,13 +21143,13 @@
   <p:clrMapOvr>
     <a:masterClrMapping/>
   </p:clrMapOvr>
-  <p:transition xmlns:p14="http://schemas.microsoft.com/office/powerpoint/2010/main" spd="med">
+  <p:transition spd="med">
     <p:fade/>
   </p:transition>
   <p:timing>
     <p:tnLst>
       <p:par>
-        <p:cTn xmlns:p14="http://schemas.microsoft.com/office/powerpoint/2010/main" id="1" dur="indefinite" restart="never" nodeType="tmRoot"/>
+        <p:cTn id="1" dur="indefinite" restart="never" nodeType="tmRoot"/>
       </p:par>
     </p:tnLst>
   </p:timing>
@@ -21325,7 +21258,7 @@
   <p:clrMapOvr>
     <a:masterClrMapping/>
   </p:clrMapOvr>
-  <p:transition xmlns:p14="http://schemas.microsoft.com/office/powerpoint/2010/main" spd="med">
+  <p:transition spd="med">
     <p:fade/>
   </p:transition>
 </p:sld>
@@ -21406,13 +21339,13 @@
   <p:clrMapOvr>
     <a:masterClrMapping/>
   </p:clrMapOvr>
-  <p:transition xmlns:p14="http://schemas.microsoft.com/office/powerpoint/2010/main" spd="med">
+  <p:transition spd="med">
     <p:fade/>
   </p:transition>
   <p:timing>
     <p:tnLst>
       <p:par>
-        <p:cTn xmlns:p14="http://schemas.microsoft.com/office/powerpoint/2010/main" id="1" dur="indefinite" restart="never" nodeType="tmRoot"/>
+        <p:cTn id="1" dur="indefinite" restart="never" nodeType="tmRoot"/>
       </p:par>
     </p:tnLst>
   </p:timing>
@@ -21446,7 +21379,7 @@
   <p:clrMapOvr>
     <a:masterClrMapping/>
   </p:clrMapOvr>
-  <p:transition xmlns:p14="http://schemas.microsoft.com/office/powerpoint/2010/main" spd="med">
+  <p:transition spd="med">
     <p:fade/>
   </p:transition>
 </p:sld>
@@ -21597,7 +21530,7 @@
   <p:clrMapOvr>
     <a:masterClrMapping/>
   </p:clrMapOvr>
-  <p:transition xmlns:p14="http://schemas.microsoft.com/office/powerpoint/2010/main" spd="med">
+  <p:transition spd="med">
     <p:fade/>
   </p:transition>
 </p:sld>
@@ -21682,7 +21615,7 @@
   <p:clrMapOvr>
     <a:masterClrMapping/>
   </p:clrMapOvr>
-  <p:transition xmlns:p14="http://schemas.microsoft.com/office/powerpoint/2010/main" spd="med">
+  <p:transition spd="med">
     <p:fade/>
   </p:transition>
 </p:sld>
@@ -21919,13 +21852,18 @@
         </p:nvCxnSpPr>
         <p:spPr>
           <a:xfrm flipH="1">
-            <a:off x="13652499" y="4508500"/>
-            <a:ext cx="1828800" cy="0"/>
+            <a:off x="13465176" y="1832385"/>
+            <a:ext cx="2266948" cy="2253506"/>
           </a:xfrm>
           <a:prstGeom prst="straightConnector1">
             <a:avLst/>
           </a:prstGeom>
-          <a:ln>
+          <a:ln w="127000" cap="rnd">
+            <a:solidFill>
+              <a:schemeClr val="tx2"/>
+            </a:solidFill>
+            <a:round/>
+            <a:headEnd type="oval"/>
             <a:tailEnd type="arrow"/>
           </a:ln>
         </p:spPr>
@@ -21954,7 +21892,7 @@
   <p:clrMapOvr>
     <a:masterClrMapping/>
   </p:clrMapOvr>
-  <p:transition xmlns:p14="http://schemas.microsoft.com/office/powerpoint/2010/main" spd="med">
+  <p:transition spd="med">
     <p:fade/>
   </p:transition>
 </p:sld>
@@ -22217,14 +22155,15 @@
         </p:nvCxnSpPr>
         <p:spPr>
           <a:xfrm flipH="1">
-            <a:off x="12144374" y="6492875"/>
-            <a:ext cx="1828800" cy="0"/>
+            <a:off x="11935828" y="1133475"/>
+            <a:ext cx="1956635" cy="5327316"/>
           </a:xfrm>
           <a:prstGeom prst="straightConnector1">
             <a:avLst/>
           </a:prstGeom>
-          <a:ln>
-            <a:tailEnd type="arrow"/>
+          <a:ln w="127000">
+            <a:headEnd type="oval"/>
+            <a:tailEnd type="stealth"/>
           </a:ln>
         </p:spPr>
         <p:style>
@@ -22252,7 +22191,7 @@
   <p:clrMapOvr>
     <a:masterClrMapping/>
   </p:clrMapOvr>
-  <p:transition xmlns:p14="http://schemas.microsoft.com/office/powerpoint/2010/main" spd="med">
+  <p:transition spd="med">
     <p:fade/>
   </p:transition>
 </p:sld>
@@ -22545,13 +22484,14 @@
         </p:nvCxnSpPr>
         <p:spPr>
           <a:xfrm flipH="1">
-            <a:off x="14106524" y="4533900"/>
-            <a:ext cx="1828800" cy="0"/>
+            <a:off x="13475368" y="1716505"/>
+            <a:ext cx="1010654" cy="2646948"/>
           </a:xfrm>
           <a:prstGeom prst="straightConnector1">
             <a:avLst/>
           </a:prstGeom>
-          <a:ln>
+          <a:ln w="127000">
+            <a:headEnd type="oval"/>
             <a:tailEnd type="arrow"/>
           </a:ln>
         </p:spPr>
@@ -22577,14 +22517,15 @@
           <p:nvPr/>
         </p:nvCxnSpPr>
         <p:spPr>
-          <a:xfrm flipH="1">
-            <a:off x="14100174" y="5384800"/>
-            <a:ext cx="1828800" cy="0"/>
+          <a:xfrm>
+            <a:off x="13363074" y="4789572"/>
+            <a:ext cx="368970" cy="424113"/>
           </a:xfrm>
           <a:prstGeom prst="straightConnector1">
             <a:avLst/>
           </a:prstGeom>
-          <a:ln>
+          <a:ln w="63500">
+            <a:headEnd type="oval"/>
             <a:tailEnd type="arrow"/>
           </a:ln>
         </p:spPr>
@@ -22613,7 +22554,7 @@
   <p:clrMapOvr>
     <a:masterClrMapping/>
   </p:clrMapOvr>
-  <p:transition xmlns:p14="http://schemas.microsoft.com/office/powerpoint/2010/main" spd="med">
+  <p:transition spd="med">
     <p:fade/>
   </p:transition>
 </p:sld>
@@ -22711,7 +22652,7 @@
   <p:clrMapOvr>
     <a:masterClrMapping/>
   </p:clrMapOvr>
-  <p:transition xmlns:p14="http://schemas.microsoft.com/office/powerpoint/2010/main" spd="med">
+  <p:transition spd="med">
     <p:fade/>
   </p:transition>
 </p:sld>
@@ -23093,7 +23034,7 @@
   <a:extraClrSchemeLst/>
   <a:extLst>
     <a:ext uri="{05A4C25C-085E-4340-85A3-A5531E510DB2}">
-      <thm15:themeFamily xmlns:thm15="http://schemas.microsoft.com/office/thememl/2012/main" xmlns="" name="Chef-TemplateComps_v09-16x9-Light.potx" id="{078CEFDB-FA7A-4E36-9964-13EF367585CB}" vid="{8B87B0F3-7308-43D5-8388-E1B49EA02652}"/>
+      <thm15:themeFamily xmlns:thm15="http://schemas.microsoft.com/office/thememl/2012/main" name="Chef-TemplateComps_v09-16x9-Light.potx" id="{078CEFDB-FA7A-4E36-9964-13EF367585CB}" vid="{8B87B0F3-7308-43D5-8388-E1B49EA02652}"/>
     </a:ext>
   </a:extLst>
 </a:theme>
@@ -23475,7 +23416,7 @@
   <a:extraClrSchemeLst/>
   <a:extLst>
     <a:ext uri="{05A4C25C-085E-4340-85A3-A5531E510DB2}">
-      <thm15:themeFamily xmlns:thm15="http://schemas.microsoft.com/office/thememl/2012/main" xmlns="" name="Chef-TemplateComps_v09-16x9-Light.potx" id="{078CEFDB-FA7A-4E36-9964-13EF367585CB}" vid="{8B87B0F3-7308-43D5-8388-E1B49EA02652}"/>
+      <thm15:themeFamily xmlns:thm15="http://schemas.microsoft.com/office/thememl/2012/main" name="Chef-TemplateComps_v09-16x9-Light.potx" id="{078CEFDB-FA7A-4E36-9964-13EF367585CB}" vid="{8B87B0F3-7308-43D5-8388-E1B49EA02652}"/>
     </a:ext>
   </a:extLst>
 </a:theme>

--- a/07-ohai_plugins.pptx
+++ b/07-ohai_plugins.pptx
@@ -256,6 +256,10 @@
             <a:pPr>
               <a:defRPr/>
             </a:pPr>
+            <a:r>
+              <a:rPr lang="en-US" smtClean="0"/>
+              <a:t>Extending Cookbooks</a:t>
+            </a:r>
             <a:endParaRPr lang="en-US"/>
           </a:p>
         </p:txBody>
@@ -300,13 +304,10 @@
             <a:pPr>
               <a:defRPr/>
             </a:pPr>
-            <a:fld id="{04CB1577-BF96-2D40-B4CA-2BF6DA80CBA7}" type="datetime1">
-              <a:rPr lang="en-CA"/>
-              <a:pPr>
-                <a:defRPr/>
-              </a:pPr>
-              <a:t>2016-10-23</a:t>
-            </a:fld>
+            <a:r>
+              <a:rPr lang="en-US" smtClean="0"/>
+              <a:t>Chef Software, Inc.</a:t>
+            </a:r>
             <a:endParaRPr lang="en-US" dirty="0"/>
           </a:p>
         </p:txBody>
@@ -417,7 +418,7 @@
     </p:extLst>
   </p:cSld>
   <p:clrMap bg1="lt1" tx1="dk1" bg2="lt2" tx2="dk2" accent1="accent1" accent2="accent2" accent3="accent3" accent4="accent4" accent5="accent5" accent6="accent6" hlink="hlink" folHlink="folHlink"/>
-  <p:hf dt="0"/>
+  <p:hf sldNum="0" ftr="0"/>
 </p:handoutMaster>
 </file>
 
@@ -455,7 +456,7 @@
         </p:nvSpPr>
         <p:spPr>
           <a:xfrm>
-            <a:off x="3884613" y="0"/>
+            <a:off x="3884613" y="96250"/>
             <a:ext cx="2971800" cy="457200"/>
           </a:xfrm>
           <a:prstGeom prst="rect">
@@ -483,13 +484,10 @@
             <a:pPr>
               <a:defRPr/>
             </a:pPr>
-            <a:fld id="{72FDBE47-C34F-CF4A-9709-1411AD5B3286}" type="datetime1">
-              <a:rPr lang="en-CA"/>
-              <a:pPr>
-                <a:defRPr/>
-              </a:pPr>
-              <a:t>2016-10-23</a:t>
-            </a:fld>
+            <a:r>
+              <a:rPr lang="en-US" smtClean="0"/>
+              <a:t>Chef Software, Inc.</a:t>
+            </a:r>
             <a:endParaRPr lang="en-US" dirty="0"/>
           </a:p>
         </p:txBody>
@@ -540,8 +538,8 @@
         </p:nvSpPr>
         <p:spPr>
           <a:xfrm>
-            <a:off x="685800" y="4343400"/>
-            <a:ext cx="5486400" cy="4114800"/>
+            <a:off x="381000" y="4343400"/>
+            <a:ext cx="6096000" cy="4114800"/>
           </a:xfrm>
           <a:prstGeom prst="rect">
             <a:avLst/>
@@ -592,68 +590,17 @@
       </p:sp>
       <p:sp>
         <p:nvSpPr>
-          <p:cNvPr id="7" name="Slide Number Placeholder 6"/>
-          <p:cNvSpPr>
-            <a:spLocks noGrp="1"/>
-          </p:cNvSpPr>
-          <p:nvPr>
-            <p:ph type="sldNum" sz="quarter" idx="5"/>
+          <p:cNvPr id="8" name="Header Placeholder 1"/>
+          <p:cNvSpPr>
+            <a:spLocks noGrp="1"/>
+          </p:cNvSpPr>
+          <p:nvPr>
+            <p:ph type="hdr" sz="quarter"/>
           </p:nvPr>
         </p:nvSpPr>
         <p:spPr>
           <a:xfrm>
-            <a:off x="6172200" y="8685213"/>
-            <a:ext cx="684213" cy="457200"/>
-          </a:xfrm>
-          <a:prstGeom prst="rect">
-            <a:avLst/>
-          </a:prstGeom>
-        </p:spPr>
-        <p:txBody>
-          <a:bodyPr vert="horz" lIns="91440" tIns="45720" rIns="91440" bIns="45720" rtlCol="0" anchor="b"/>
-          <a:lstStyle>
-            <a:lvl1pPr algn="r" defTabSz="1219120" fontAlgn="auto">
-              <a:spcBef>
-                <a:spcPts val="0"/>
-              </a:spcBef>
-              <a:spcAft>
-                <a:spcPts val="0"/>
-              </a:spcAft>
-              <a:defRPr sz="1200" smtClean="0">
-                <a:latin typeface="Arial" panose="020B0604020202020204" pitchFamily="34" charset="0"/>
-                <a:ea typeface="+mn-ea"/>
-                <a:cs typeface="Arial" panose="020B0604020202020204" pitchFamily="34" charset="0"/>
-              </a:defRPr>
-            </a:lvl1pPr>
-          </a:lstStyle>
-          <a:p>
-            <a:pPr>
-              <a:defRPr/>
-            </a:pPr>
-            <a:fld id="{DC3734AA-3150-D947-AC52-2F5DF48BFCD5}" type="slidenum">
-              <a:rPr lang="en-US"/>
-              <a:pPr>
-                <a:defRPr/>
-              </a:pPr>
-              <a:t>‹#›</a:t>
-            </a:fld>
-            <a:endParaRPr lang="en-US" dirty="0"/>
-          </a:p>
-        </p:txBody>
-      </p:sp>
-      <p:sp>
-        <p:nvSpPr>
-          <p:cNvPr id="8" name="Header Placeholder 1"/>
-          <p:cNvSpPr>
-            <a:spLocks noGrp="1"/>
-          </p:cNvSpPr>
-          <p:nvPr>
-            <p:ph type="hdr" sz="quarter"/>
-          </p:nvPr>
-        </p:nvSpPr>
-        <p:spPr>
-          <a:xfrm>
-            <a:off x="0" y="0"/>
+            <a:off x="0" y="96250"/>
             <a:ext cx="2971800" cy="457200"/>
           </a:xfrm>
           <a:prstGeom prst="rect">
@@ -681,53 +628,10 @@
             <a:pPr>
               <a:defRPr/>
             </a:pPr>
-            <a:endParaRPr lang="en-US"/>
-          </a:p>
-        </p:txBody>
-      </p:sp>
-      <p:sp>
-        <p:nvSpPr>
-          <p:cNvPr id="9" name="Footer Placeholder 3"/>
-          <p:cNvSpPr>
-            <a:spLocks noGrp="1"/>
-          </p:cNvSpPr>
-          <p:nvPr>
-            <p:ph type="ftr" sz="quarter" idx="4"/>
-          </p:nvPr>
-        </p:nvSpPr>
-        <p:spPr>
-          <a:xfrm>
-            <a:off x="0" y="8685213"/>
-            <a:ext cx="6248400" cy="457200"/>
-          </a:xfrm>
-          <a:prstGeom prst="rect">
-            <a:avLst/>
-          </a:prstGeom>
-        </p:spPr>
-        <p:txBody>
-          <a:bodyPr vert="horz" lIns="91440" tIns="45720" rIns="91440" bIns="45720" rtlCol="0" anchor="b"/>
-          <a:lstStyle>
-            <a:lvl1pPr algn="l" defTabSz="1219120" fontAlgn="auto">
-              <a:spcBef>
-                <a:spcPts val="0"/>
-              </a:spcBef>
-              <a:spcAft>
-                <a:spcPts val="0"/>
-              </a:spcAft>
-              <a:defRPr sz="900" dirty="0" smtClean="0">
-                <a:solidFill>
-                  <a:srgbClr val="000000"/>
-                </a:solidFill>
-                <a:latin typeface="Arial" panose="020B0604020202020204" pitchFamily="34" charset="0"/>
-                <a:ea typeface="+mn-ea"/>
-                <a:cs typeface="Arial" panose="020B0604020202020204" pitchFamily="34" charset="0"/>
-              </a:defRPr>
-            </a:lvl1pPr>
-          </a:lstStyle>
-          <a:p>
-            <a:pPr>
-              <a:defRPr/>
-            </a:pPr>
+            <a:r>
+              <a:rPr lang="en-US" smtClean="0"/>
+              <a:t>Extending Cookbooks</a:t>
+            </a:r>
             <a:endParaRPr lang="en-US"/>
           </a:p>
         </p:txBody>
@@ -740,7 +644,7 @@
     </p:extLst>
   </p:cSld>
   <p:clrMap bg1="lt1" tx1="dk1" bg2="lt2" tx2="dk2" accent1="accent1" accent2="accent2" accent3="accent3" accent4="accent4" accent5="accent5" accent6="accent6" hlink="hlink" folHlink="folHlink"/>
-  <p:hf dt="0"/>
+  <p:hf sldNum="0" ftr="0"/>
   <p:notesStyle>
     <a:lvl1pPr algn="l" defTabSz="1217613" rtl="0" fontAlgn="base">
       <a:lnSpc>
@@ -939,12 +843,12 @@
       </p:sp>
       <p:sp>
         <p:nvSpPr>
-          <p:cNvPr id="4" name="Slide Number Placeholder 3"/>
-          <p:cNvSpPr>
-            <a:spLocks noGrp="1"/>
-          </p:cNvSpPr>
-          <p:nvPr>
-            <p:ph type="sldNum" sz="quarter" idx="10"/>
+          <p:cNvPr id="5" name="Header Placeholder 4"/>
+          <p:cNvSpPr>
+            <a:spLocks noGrp="1"/>
+          </p:cNvSpPr>
+          <p:nvPr>
+            <p:ph type="hdr" sz="quarter" idx="11"/>
           </p:nvPr>
         </p:nvSpPr>
         <p:spPr/>
@@ -955,25 +859,22 @@
             <a:pPr>
               <a:defRPr/>
             </a:pPr>
-            <a:fld id="{DC3734AA-3150-D947-AC52-2F5DF48BFCD5}" type="slidenum">
+            <a:r>
               <a:rPr lang="en-US" smtClean="0"/>
-              <a:pPr>
-                <a:defRPr/>
-              </a:pPr>
-              <a:t>1</a:t>
-            </a:fld>
-            <a:endParaRPr lang="en-US" dirty="0"/>
-          </a:p>
-        </p:txBody>
-      </p:sp>
-      <p:sp>
-        <p:nvSpPr>
-          <p:cNvPr id="5" name="Header Placeholder 4"/>
-          <p:cNvSpPr>
-            <a:spLocks noGrp="1"/>
-          </p:cNvSpPr>
-          <p:nvPr>
-            <p:ph type="hdr" sz="quarter" idx="11"/>
+              <a:t>Extending Cookbooks</a:t>
+            </a:r>
+            <a:endParaRPr lang="en-US"/>
+          </a:p>
+        </p:txBody>
+      </p:sp>
+      <p:sp>
+        <p:nvSpPr>
+          <p:cNvPr id="7" name="Date Placeholder 6"/>
+          <p:cNvSpPr>
+            <a:spLocks noGrp="1"/>
+          </p:cNvSpPr>
+          <p:nvPr>
+            <p:ph type="dt" idx="13"/>
           </p:nvPr>
         </p:nvSpPr>
         <p:spPr/>
@@ -984,29 +885,11 @@
             <a:pPr>
               <a:defRPr/>
             </a:pPr>
-            <a:endParaRPr lang="en-US"/>
-          </a:p>
-        </p:txBody>
-      </p:sp>
-      <p:sp>
-        <p:nvSpPr>
-          <p:cNvPr id="6" name="Footer Placeholder 5"/>
-          <p:cNvSpPr>
-            <a:spLocks noGrp="1"/>
-          </p:cNvSpPr>
-          <p:nvPr>
-            <p:ph type="ftr" sz="quarter" idx="12"/>
-          </p:nvPr>
-        </p:nvSpPr>
-        <p:spPr/>
-        <p:txBody>
-          <a:bodyPr/>
-          <a:lstStyle/>
-          <a:p>
-            <a:pPr>
-              <a:defRPr/>
-            </a:pPr>
-            <a:endParaRPr lang="en-US"/>
+            <a:r>
+              <a:rPr lang="en-US" smtClean="0"/>
+              <a:t>Chef Software, Inc.</a:t>
+            </a:r>
+            <a:endParaRPr lang="en-US" dirty="0"/>
           </a:p>
         </p:txBody>
       </p:sp>
@@ -1088,12 +971,12 @@
       </p:sp>
       <p:sp>
         <p:nvSpPr>
-          <p:cNvPr id="4" name="Slide Number Placeholder 3"/>
-          <p:cNvSpPr>
-            <a:spLocks noGrp="1"/>
-          </p:cNvSpPr>
-          <p:nvPr>
-            <p:ph type="sldNum" sz="quarter" idx="10"/>
+          <p:cNvPr id="5" name="Header Placeholder 4"/>
+          <p:cNvSpPr>
+            <a:spLocks noGrp="1"/>
+          </p:cNvSpPr>
+          <p:nvPr>
+            <p:ph type="hdr" sz="quarter" idx="11"/>
           </p:nvPr>
         </p:nvSpPr>
         <p:spPr/>
@@ -1104,25 +987,22 @@
             <a:pPr>
               <a:defRPr/>
             </a:pPr>
-            <a:fld id="{DC3734AA-3150-D947-AC52-2F5DF48BFCD5}" type="slidenum">
+            <a:r>
               <a:rPr lang="en-US" smtClean="0"/>
-              <a:pPr>
-                <a:defRPr/>
-              </a:pPr>
-              <a:t>10</a:t>
-            </a:fld>
-            <a:endParaRPr lang="en-US" dirty="0"/>
-          </a:p>
-        </p:txBody>
-      </p:sp>
-      <p:sp>
-        <p:nvSpPr>
-          <p:cNvPr id="5" name="Header Placeholder 4"/>
-          <p:cNvSpPr>
-            <a:spLocks noGrp="1"/>
-          </p:cNvSpPr>
-          <p:nvPr>
-            <p:ph type="hdr" sz="quarter" idx="11"/>
+              <a:t>Extending Cookbooks</a:t>
+            </a:r>
+            <a:endParaRPr lang="en-US"/>
+          </a:p>
+        </p:txBody>
+      </p:sp>
+      <p:sp>
+        <p:nvSpPr>
+          <p:cNvPr id="7" name="Date Placeholder 6"/>
+          <p:cNvSpPr>
+            <a:spLocks noGrp="1"/>
+          </p:cNvSpPr>
+          <p:nvPr>
+            <p:ph type="dt" idx="13"/>
           </p:nvPr>
         </p:nvSpPr>
         <p:spPr/>
@@ -1133,29 +1013,11 @@
             <a:pPr>
               <a:defRPr/>
             </a:pPr>
-            <a:endParaRPr lang="en-US"/>
-          </a:p>
-        </p:txBody>
-      </p:sp>
-      <p:sp>
-        <p:nvSpPr>
-          <p:cNvPr id="6" name="Footer Placeholder 5"/>
-          <p:cNvSpPr>
-            <a:spLocks noGrp="1"/>
-          </p:cNvSpPr>
-          <p:nvPr>
-            <p:ph type="ftr" sz="quarter" idx="12"/>
-          </p:nvPr>
-        </p:nvSpPr>
-        <p:spPr/>
-        <p:txBody>
-          <a:bodyPr/>
-          <a:lstStyle/>
-          <a:p>
-            <a:pPr>
-              <a:defRPr/>
-            </a:pPr>
-            <a:endParaRPr lang="en-US"/>
+            <a:r>
+              <a:rPr lang="en-US" smtClean="0"/>
+              <a:t>Chef Software, Inc.</a:t>
+            </a:r>
+            <a:endParaRPr lang="en-US" dirty="0"/>
           </a:p>
         </p:txBody>
       </p:sp>
@@ -1230,12 +1092,12 @@
       </p:sp>
       <p:sp>
         <p:nvSpPr>
-          <p:cNvPr id="4" name="Slide Number Placeholder 3"/>
-          <p:cNvSpPr>
-            <a:spLocks noGrp="1"/>
-          </p:cNvSpPr>
-          <p:nvPr>
-            <p:ph type="sldNum" sz="quarter" idx="10"/>
+          <p:cNvPr id="5" name="Header Placeholder 4"/>
+          <p:cNvSpPr>
+            <a:spLocks noGrp="1"/>
+          </p:cNvSpPr>
+          <p:nvPr>
+            <p:ph type="hdr" sz="quarter" idx="11"/>
           </p:nvPr>
         </p:nvSpPr>
         <p:spPr/>
@@ -1246,25 +1108,22 @@
             <a:pPr>
               <a:defRPr/>
             </a:pPr>
-            <a:fld id="{DC3734AA-3150-D947-AC52-2F5DF48BFCD5}" type="slidenum">
+            <a:r>
               <a:rPr lang="en-US" smtClean="0"/>
-              <a:pPr>
-                <a:defRPr/>
-              </a:pPr>
-              <a:t>11</a:t>
-            </a:fld>
-            <a:endParaRPr lang="en-US" dirty="0"/>
-          </a:p>
-        </p:txBody>
-      </p:sp>
-      <p:sp>
-        <p:nvSpPr>
-          <p:cNvPr id="5" name="Header Placeholder 4"/>
-          <p:cNvSpPr>
-            <a:spLocks noGrp="1"/>
-          </p:cNvSpPr>
-          <p:nvPr>
-            <p:ph type="hdr" sz="quarter" idx="11"/>
+              <a:t>Extending Cookbooks</a:t>
+            </a:r>
+            <a:endParaRPr lang="en-US"/>
+          </a:p>
+        </p:txBody>
+      </p:sp>
+      <p:sp>
+        <p:nvSpPr>
+          <p:cNvPr id="7" name="Date Placeholder 6"/>
+          <p:cNvSpPr>
+            <a:spLocks noGrp="1"/>
+          </p:cNvSpPr>
+          <p:nvPr>
+            <p:ph type="dt" idx="13"/>
           </p:nvPr>
         </p:nvSpPr>
         <p:spPr/>
@@ -1275,29 +1134,11 @@
             <a:pPr>
               <a:defRPr/>
             </a:pPr>
-            <a:endParaRPr lang="en-US"/>
-          </a:p>
-        </p:txBody>
-      </p:sp>
-      <p:sp>
-        <p:nvSpPr>
-          <p:cNvPr id="6" name="Footer Placeholder 5"/>
-          <p:cNvSpPr>
-            <a:spLocks noGrp="1"/>
-          </p:cNvSpPr>
-          <p:nvPr>
-            <p:ph type="ftr" sz="quarter" idx="12"/>
-          </p:nvPr>
-        </p:nvSpPr>
-        <p:spPr/>
-        <p:txBody>
-          <a:bodyPr/>
-          <a:lstStyle/>
-          <a:p>
-            <a:pPr>
-              <a:defRPr/>
-            </a:pPr>
-            <a:endParaRPr lang="en-US"/>
+            <a:r>
+              <a:rPr lang="en-US" smtClean="0"/>
+              <a:t>Chef Software, Inc.</a:t>
+            </a:r>
+            <a:endParaRPr lang="en-US" dirty="0"/>
           </a:p>
         </p:txBody>
       </p:sp>
@@ -1372,12 +1213,12 @@
       </p:sp>
       <p:sp>
         <p:nvSpPr>
-          <p:cNvPr id="4" name="Slide Number Placeholder 3"/>
-          <p:cNvSpPr>
-            <a:spLocks noGrp="1"/>
-          </p:cNvSpPr>
-          <p:nvPr>
-            <p:ph type="sldNum" sz="quarter" idx="10"/>
+          <p:cNvPr id="5" name="Header Placeholder 4"/>
+          <p:cNvSpPr>
+            <a:spLocks noGrp="1"/>
+          </p:cNvSpPr>
+          <p:nvPr>
+            <p:ph type="hdr" sz="quarter" idx="11"/>
           </p:nvPr>
         </p:nvSpPr>
         <p:spPr/>
@@ -1388,25 +1229,22 @@
             <a:pPr>
               <a:defRPr/>
             </a:pPr>
-            <a:fld id="{DC3734AA-3150-D947-AC52-2F5DF48BFCD5}" type="slidenum">
+            <a:r>
               <a:rPr lang="en-US" smtClean="0"/>
-              <a:pPr>
-                <a:defRPr/>
-              </a:pPr>
-              <a:t>12</a:t>
-            </a:fld>
-            <a:endParaRPr lang="en-US" dirty="0"/>
-          </a:p>
-        </p:txBody>
-      </p:sp>
-      <p:sp>
-        <p:nvSpPr>
-          <p:cNvPr id="5" name="Header Placeholder 4"/>
-          <p:cNvSpPr>
-            <a:spLocks noGrp="1"/>
-          </p:cNvSpPr>
-          <p:nvPr>
-            <p:ph type="hdr" sz="quarter" idx="11"/>
+              <a:t>Extending Cookbooks</a:t>
+            </a:r>
+            <a:endParaRPr lang="en-US"/>
+          </a:p>
+        </p:txBody>
+      </p:sp>
+      <p:sp>
+        <p:nvSpPr>
+          <p:cNvPr id="7" name="Date Placeholder 6"/>
+          <p:cNvSpPr>
+            <a:spLocks noGrp="1"/>
+          </p:cNvSpPr>
+          <p:nvPr>
+            <p:ph type="dt" idx="13"/>
           </p:nvPr>
         </p:nvSpPr>
         <p:spPr/>
@@ -1417,29 +1255,11 @@
             <a:pPr>
               <a:defRPr/>
             </a:pPr>
-            <a:endParaRPr lang="en-US"/>
-          </a:p>
-        </p:txBody>
-      </p:sp>
-      <p:sp>
-        <p:nvSpPr>
-          <p:cNvPr id="6" name="Footer Placeholder 5"/>
-          <p:cNvSpPr>
-            <a:spLocks noGrp="1"/>
-          </p:cNvSpPr>
-          <p:nvPr>
-            <p:ph type="ftr" sz="quarter" idx="12"/>
-          </p:nvPr>
-        </p:nvSpPr>
-        <p:spPr/>
-        <p:txBody>
-          <a:bodyPr/>
-          <a:lstStyle/>
-          <a:p>
-            <a:pPr>
-              <a:defRPr/>
-            </a:pPr>
-            <a:endParaRPr lang="en-US"/>
+            <a:r>
+              <a:rPr lang="en-US" smtClean="0"/>
+              <a:t>Chef Software, Inc.</a:t>
+            </a:r>
+            <a:endParaRPr lang="en-US" dirty="0"/>
           </a:p>
         </p:txBody>
       </p:sp>
@@ -1513,12 +1333,12 @@
       </p:sp>
       <p:sp>
         <p:nvSpPr>
-          <p:cNvPr id="4" name="Slide Number Placeholder 3"/>
-          <p:cNvSpPr>
-            <a:spLocks noGrp="1"/>
-          </p:cNvSpPr>
-          <p:nvPr>
-            <p:ph type="sldNum" sz="quarter" idx="10"/>
+          <p:cNvPr id="5" name="Header Placeholder 4"/>
+          <p:cNvSpPr>
+            <a:spLocks noGrp="1"/>
+          </p:cNvSpPr>
+          <p:nvPr>
+            <p:ph type="hdr" sz="quarter" idx="11"/>
           </p:nvPr>
         </p:nvSpPr>
         <p:spPr/>
@@ -1529,25 +1349,22 @@
             <a:pPr>
               <a:defRPr/>
             </a:pPr>
-            <a:fld id="{DC3734AA-3150-D947-AC52-2F5DF48BFCD5}" type="slidenum">
+            <a:r>
               <a:rPr lang="en-US" smtClean="0"/>
-              <a:pPr>
-                <a:defRPr/>
-              </a:pPr>
-              <a:t>13</a:t>
-            </a:fld>
-            <a:endParaRPr lang="en-US" dirty="0"/>
-          </a:p>
-        </p:txBody>
-      </p:sp>
-      <p:sp>
-        <p:nvSpPr>
-          <p:cNvPr id="5" name="Header Placeholder 4"/>
-          <p:cNvSpPr>
-            <a:spLocks noGrp="1"/>
-          </p:cNvSpPr>
-          <p:nvPr>
-            <p:ph type="hdr" sz="quarter" idx="11"/>
+              <a:t>Extending Cookbooks</a:t>
+            </a:r>
+            <a:endParaRPr lang="en-US"/>
+          </a:p>
+        </p:txBody>
+      </p:sp>
+      <p:sp>
+        <p:nvSpPr>
+          <p:cNvPr id="7" name="Date Placeholder 6"/>
+          <p:cNvSpPr>
+            <a:spLocks noGrp="1"/>
+          </p:cNvSpPr>
+          <p:nvPr>
+            <p:ph type="dt" idx="13"/>
           </p:nvPr>
         </p:nvSpPr>
         <p:spPr/>
@@ -1558,29 +1375,11 @@
             <a:pPr>
               <a:defRPr/>
             </a:pPr>
-            <a:endParaRPr lang="en-US"/>
-          </a:p>
-        </p:txBody>
-      </p:sp>
-      <p:sp>
-        <p:nvSpPr>
-          <p:cNvPr id="6" name="Footer Placeholder 5"/>
-          <p:cNvSpPr>
-            <a:spLocks noGrp="1"/>
-          </p:cNvSpPr>
-          <p:nvPr>
-            <p:ph type="ftr" sz="quarter" idx="12"/>
-          </p:nvPr>
-        </p:nvSpPr>
-        <p:spPr/>
-        <p:txBody>
-          <a:bodyPr/>
-          <a:lstStyle/>
-          <a:p>
-            <a:pPr>
-              <a:defRPr/>
-            </a:pPr>
-            <a:endParaRPr lang="en-US"/>
+            <a:r>
+              <a:rPr lang="en-US" smtClean="0"/>
+              <a:t>Chef Software, Inc.</a:t>
+            </a:r>
+            <a:endParaRPr lang="en-US" dirty="0"/>
           </a:p>
         </p:txBody>
       </p:sp>
@@ -1672,12 +1471,12 @@
       </p:sp>
       <p:sp>
         <p:nvSpPr>
-          <p:cNvPr id="4" name="Slide Number Placeholder 3"/>
-          <p:cNvSpPr>
-            <a:spLocks noGrp="1"/>
-          </p:cNvSpPr>
-          <p:nvPr>
-            <p:ph type="sldNum" sz="quarter" idx="10"/>
+          <p:cNvPr id="5" name="Header Placeholder 4"/>
+          <p:cNvSpPr>
+            <a:spLocks noGrp="1"/>
+          </p:cNvSpPr>
+          <p:nvPr>
+            <p:ph type="hdr" sz="quarter" idx="11"/>
           </p:nvPr>
         </p:nvSpPr>
         <p:spPr/>
@@ -1688,25 +1487,22 @@
             <a:pPr>
               <a:defRPr/>
             </a:pPr>
-            <a:fld id="{DC3734AA-3150-D947-AC52-2F5DF48BFCD5}" type="slidenum">
+            <a:r>
               <a:rPr lang="en-US" smtClean="0"/>
-              <a:pPr>
-                <a:defRPr/>
-              </a:pPr>
-              <a:t>14</a:t>
-            </a:fld>
-            <a:endParaRPr lang="en-US" dirty="0"/>
-          </a:p>
-        </p:txBody>
-      </p:sp>
-      <p:sp>
-        <p:nvSpPr>
-          <p:cNvPr id="5" name="Header Placeholder 4"/>
-          <p:cNvSpPr>
-            <a:spLocks noGrp="1"/>
-          </p:cNvSpPr>
-          <p:nvPr>
-            <p:ph type="hdr" sz="quarter" idx="11"/>
+              <a:t>Extending Cookbooks</a:t>
+            </a:r>
+            <a:endParaRPr lang="en-US"/>
+          </a:p>
+        </p:txBody>
+      </p:sp>
+      <p:sp>
+        <p:nvSpPr>
+          <p:cNvPr id="7" name="Date Placeholder 6"/>
+          <p:cNvSpPr>
+            <a:spLocks noGrp="1"/>
+          </p:cNvSpPr>
+          <p:nvPr>
+            <p:ph type="dt" idx="13"/>
           </p:nvPr>
         </p:nvSpPr>
         <p:spPr/>
@@ -1717,29 +1513,11 @@
             <a:pPr>
               <a:defRPr/>
             </a:pPr>
-            <a:endParaRPr lang="en-US"/>
-          </a:p>
-        </p:txBody>
-      </p:sp>
-      <p:sp>
-        <p:nvSpPr>
-          <p:cNvPr id="6" name="Footer Placeholder 5"/>
-          <p:cNvSpPr>
-            <a:spLocks noGrp="1"/>
-          </p:cNvSpPr>
-          <p:nvPr>
-            <p:ph type="ftr" sz="quarter" idx="12"/>
-          </p:nvPr>
-        </p:nvSpPr>
-        <p:spPr/>
-        <p:txBody>
-          <a:bodyPr/>
-          <a:lstStyle/>
-          <a:p>
-            <a:pPr>
-              <a:defRPr/>
-            </a:pPr>
-            <a:endParaRPr lang="en-US"/>
+            <a:r>
+              <a:rPr lang="en-US" smtClean="0"/>
+              <a:t>Chef Software, Inc.</a:t>
+            </a:r>
+            <a:endParaRPr lang="en-US" dirty="0"/>
           </a:p>
         </p:txBody>
       </p:sp>
@@ -1822,12 +1600,12 @@
       </p:sp>
       <p:sp>
         <p:nvSpPr>
-          <p:cNvPr id="4" name="Slide Number Placeholder 3"/>
-          <p:cNvSpPr>
-            <a:spLocks noGrp="1"/>
-          </p:cNvSpPr>
-          <p:nvPr>
-            <p:ph type="sldNum" sz="quarter" idx="10"/>
+          <p:cNvPr id="5" name="Header Placeholder 4"/>
+          <p:cNvSpPr>
+            <a:spLocks noGrp="1"/>
+          </p:cNvSpPr>
+          <p:nvPr>
+            <p:ph type="hdr" sz="quarter" idx="11"/>
           </p:nvPr>
         </p:nvSpPr>
         <p:spPr/>
@@ -1838,25 +1616,22 @@
             <a:pPr>
               <a:defRPr/>
             </a:pPr>
-            <a:fld id="{DC3734AA-3150-D947-AC52-2F5DF48BFCD5}" type="slidenum">
+            <a:r>
               <a:rPr lang="en-US" smtClean="0"/>
-              <a:pPr>
-                <a:defRPr/>
-              </a:pPr>
-              <a:t>15</a:t>
-            </a:fld>
-            <a:endParaRPr lang="en-US" dirty="0"/>
-          </a:p>
-        </p:txBody>
-      </p:sp>
-      <p:sp>
-        <p:nvSpPr>
-          <p:cNvPr id="5" name="Header Placeholder 4"/>
-          <p:cNvSpPr>
-            <a:spLocks noGrp="1"/>
-          </p:cNvSpPr>
-          <p:nvPr>
-            <p:ph type="hdr" sz="quarter" idx="11"/>
+              <a:t>Extending Cookbooks</a:t>
+            </a:r>
+            <a:endParaRPr lang="en-US"/>
+          </a:p>
+        </p:txBody>
+      </p:sp>
+      <p:sp>
+        <p:nvSpPr>
+          <p:cNvPr id="7" name="Date Placeholder 6"/>
+          <p:cNvSpPr>
+            <a:spLocks noGrp="1"/>
+          </p:cNvSpPr>
+          <p:nvPr>
+            <p:ph type="dt" idx="13"/>
           </p:nvPr>
         </p:nvSpPr>
         <p:spPr/>
@@ -1867,29 +1642,11 @@
             <a:pPr>
               <a:defRPr/>
             </a:pPr>
-            <a:endParaRPr lang="en-US"/>
-          </a:p>
-        </p:txBody>
-      </p:sp>
-      <p:sp>
-        <p:nvSpPr>
-          <p:cNvPr id="6" name="Footer Placeholder 5"/>
-          <p:cNvSpPr>
-            <a:spLocks noGrp="1"/>
-          </p:cNvSpPr>
-          <p:nvPr>
-            <p:ph type="ftr" sz="quarter" idx="12"/>
-          </p:nvPr>
-        </p:nvSpPr>
-        <p:spPr/>
-        <p:txBody>
-          <a:bodyPr/>
-          <a:lstStyle/>
-          <a:p>
-            <a:pPr>
-              <a:defRPr/>
-            </a:pPr>
-            <a:endParaRPr lang="en-US"/>
+            <a:r>
+              <a:rPr lang="en-US" smtClean="0"/>
+              <a:t>Chef Software, Inc.</a:t>
+            </a:r>
+            <a:endParaRPr lang="en-US" dirty="0"/>
           </a:p>
         </p:txBody>
       </p:sp>
@@ -1968,12 +1725,12 @@
       </p:sp>
       <p:sp>
         <p:nvSpPr>
-          <p:cNvPr id="4" name="Slide Number Placeholder 3"/>
-          <p:cNvSpPr>
-            <a:spLocks noGrp="1"/>
-          </p:cNvSpPr>
-          <p:nvPr>
-            <p:ph type="sldNum" sz="quarter" idx="10"/>
+          <p:cNvPr id="5" name="Header Placeholder 4"/>
+          <p:cNvSpPr>
+            <a:spLocks noGrp="1"/>
+          </p:cNvSpPr>
+          <p:nvPr>
+            <p:ph type="hdr" sz="quarter" idx="11"/>
           </p:nvPr>
         </p:nvSpPr>
         <p:spPr/>
@@ -1984,25 +1741,22 @@
             <a:pPr>
               <a:defRPr/>
             </a:pPr>
-            <a:fld id="{DC3734AA-3150-D947-AC52-2F5DF48BFCD5}" type="slidenum">
+            <a:r>
               <a:rPr lang="en-US" smtClean="0"/>
-              <a:pPr>
-                <a:defRPr/>
-              </a:pPr>
-              <a:t>16</a:t>
-            </a:fld>
-            <a:endParaRPr lang="en-US" dirty="0"/>
-          </a:p>
-        </p:txBody>
-      </p:sp>
-      <p:sp>
-        <p:nvSpPr>
-          <p:cNvPr id="5" name="Header Placeholder 4"/>
-          <p:cNvSpPr>
-            <a:spLocks noGrp="1"/>
-          </p:cNvSpPr>
-          <p:nvPr>
-            <p:ph type="hdr" sz="quarter" idx="11"/>
+              <a:t>Extending Cookbooks</a:t>
+            </a:r>
+            <a:endParaRPr lang="en-US"/>
+          </a:p>
+        </p:txBody>
+      </p:sp>
+      <p:sp>
+        <p:nvSpPr>
+          <p:cNvPr id="7" name="Date Placeholder 6"/>
+          <p:cNvSpPr>
+            <a:spLocks noGrp="1"/>
+          </p:cNvSpPr>
+          <p:nvPr>
+            <p:ph type="dt" idx="13"/>
           </p:nvPr>
         </p:nvSpPr>
         <p:spPr/>
@@ -2013,29 +1767,11 @@
             <a:pPr>
               <a:defRPr/>
             </a:pPr>
-            <a:endParaRPr lang="en-US"/>
-          </a:p>
-        </p:txBody>
-      </p:sp>
-      <p:sp>
-        <p:nvSpPr>
-          <p:cNvPr id="6" name="Footer Placeholder 5"/>
-          <p:cNvSpPr>
-            <a:spLocks noGrp="1"/>
-          </p:cNvSpPr>
-          <p:nvPr>
-            <p:ph type="ftr" sz="quarter" idx="12"/>
-          </p:nvPr>
-        </p:nvSpPr>
-        <p:spPr/>
-        <p:txBody>
-          <a:bodyPr/>
-          <a:lstStyle/>
-          <a:p>
-            <a:pPr>
-              <a:defRPr/>
-            </a:pPr>
-            <a:endParaRPr lang="en-US"/>
+            <a:r>
+              <a:rPr lang="en-US" smtClean="0"/>
+              <a:t>Chef Software, Inc.</a:t>
+            </a:r>
+            <a:endParaRPr lang="en-US" dirty="0"/>
           </a:p>
         </p:txBody>
       </p:sp>
@@ -2106,12 +1842,12 @@
       </p:sp>
       <p:sp>
         <p:nvSpPr>
-          <p:cNvPr id="4" name="Slide Number Placeholder 3"/>
-          <p:cNvSpPr>
-            <a:spLocks noGrp="1"/>
-          </p:cNvSpPr>
-          <p:nvPr>
-            <p:ph type="sldNum" sz="quarter" idx="10"/>
+          <p:cNvPr id="5" name="Header Placeholder 4"/>
+          <p:cNvSpPr>
+            <a:spLocks noGrp="1"/>
+          </p:cNvSpPr>
+          <p:nvPr>
+            <p:ph type="hdr" sz="quarter" idx="11"/>
           </p:nvPr>
         </p:nvSpPr>
         <p:spPr/>
@@ -2122,25 +1858,22 @@
             <a:pPr>
               <a:defRPr/>
             </a:pPr>
-            <a:fld id="{DC3734AA-3150-D947-AC52-2F5DF48BFCD5}" type="slidenum">
+            <a:r>
               <a:rPr lang="en-US" smtClean="0"/>
-              <a:pPr>
-                <a:defRPr/>
-              </a:pPr>
-              <a:t>17</a:t>
-            </a:fld>
-            <a:endParaRPr lang="en-US" dirty="0"/>
-          </a:p>
-        </p:txBody>
-      </p:sp>
-      <p:sp>
-        <p:nvSpPr>
-          <p:cNvPr id="5" name="Header Placeholder 4"/>
-          <p:cNvSpPr>
-            <a:spLocks noGrp="1"/>
-          </p:cNvSpPr>
-          <p:nvPr>
-            <p:ph type="hdr" sz="quarter" idx="11"/>
+              <a:t>Extending Cookbooks</a:t>
+            </a:r>
+            <a:endParaRPr lang="en-US"/>
+          </a:p>
+        </p:txBody>
+      </p:sp>
+      <p:sp>
+        <p:nvSpPr>
+          <p:cNvPr id="7" name="Date Placeholder 6"/>
+          <p:cNvSpPr>
+            <a:spLocks noGrp="1"/>
+          </p:cNvSpPr>
+          <p:nvPr>
+            <p:ph type="dt" idx="13"/>
           </p:nvPr>
         </p:nvSpPr>
         <p:spPr/>
@@ -2151,29 +1884,11 @@
             <a:pPr>
               <a:defRPr/>
             </a:pPr>
-            <a:endParaRPr lang="en-US"/>
-          </a:p>
-        </p:txBody>
-      </p:sp>
-      <p:sp>
-        <p:nvSpPr>
-          <p:cNvPr id="6" name="Footer Placeholder 5"/>
-          <p:cNvSpPr>
-            <a:spLocks noGrp="1"/>
-          </p:cNvSpPr>
-          <p:nvPr>
-            <p:ph type="ftr" sz="quarter" idx="12"/>
-          </p:nvPr>
-        </p:nvSpPr>
-        <p:spPr/>
-        <p:txBody>
-          <a:bodyPr/>
-          <a:lstStyle/>
-          <a:p>
-            <a:pPr>
-              <a:defRPr/>
-            </a:pPr>
-            <a:endParaRPr lang="en-US"/>
+            <a:r>
+              <a:rPr lang="en-US" smtClean="0"/>
+              <a:t>Chef Software, Inc.</a:t>
+            </a:r>
+            <a:endParaRPr lang="en-US" dirty="0"/>
           </a:p>
         </p:txBody>
       </p:sp>
@@ -2259,12 +1974,12 @@
       </p:sp>
       <p:sp>
         <p:nvSpPr>
-          <p:cNvPr id="4" name="Slide Number Placeholder 3"/>
-          <p:cNvSpPr>
-            <a:spLocks noGrp="1"/>
-          </p:cNvSpPr>
-          <p:nvPr>
-            <p:ph type="sldNum" sz="quarter" idx="10"/>
+          <p:cNvPr id="5" name="Header Placeholder 4"/>
+          <p:cNvSpPr>
+            <a:spLocks noGrp="1"/>
+          </p:cNvSpPr>
+          <p:nvPr>
+            <p:ph type="hdr" sz="quarter" idx="11"/>
           </p:nvPr>
         </p:nvSpPr>
         <p:spPr/>
@@ -2275,25 +1990,22 @@
             <a:pPr>
               <a:defRPr/>
             </a:pPr>
-            <a:fld id="{DC3734AA-3150-D947-AC52-2F5DF48BFCD5}" type="slidenum">
+            <a:r>
               <a:rPr lang="en-US" smtClean="0"/>
-              <a:pPr>
-                <a:defRPr/>
-              </a:pPr>
-              <a:t>18</a:t>
-            </a:fld>
-            <a:endParaRPr lang="en-US" dirty="0"/>
-          </a:p>
-        </p:txBody>
-      </p:sp>
-      <p:sp>
-        <p:nvSpPr>
-          <p:cNvPr id="5" name="Header Placeholder 4"/>
-          <p:cNvSpPr>
-            <a:spLocks noGrp="1"/>
-          </p:cNvSpPr>
-          <p:nvPr>
-            <p:ph type="hdr" sz="quarter" idx="11"/>
+              <a:t>Extending Cookbooks</a:t>
+            </a:r>
+            <a:endParaRPr lang="en-US"/>
+          </a:p>
+        </p:txBody>
+      </p:sp>
+      <p:sp>
+        <p:nvSpPr>
+          <p:cNvPr id="7" name="Date Placeholder 6"/>
+          <p:cNvSpPr>
+            <a:spLocks noGrp="1"/>
+          </p:cNvSpPr>
+          <p:nvPr>
+            <p:ph type="dt" idx="13"/>
           </p:nvPr>
         </p:nvSpPr>
         <p:spPr/>
@@ -2304,29 +2016,11 @@
             <a:pPr>
               <a:defRPr/>
             </a:pPr>
-            <a:endParaRPr lang="en-US"/>
-          </a:p>
-        </p:txBody>
-      </p:sp>
-      <p:sp>
-        <p:nvSpPr>
-          <p:cNvPr id="6" name="Footer Placeholder 5"/>
-          <p:cNvSpPr>
-            <a:spLocks noGrp="1"/>
-          </p:cNvSpPr>
-          <p:nvPr>
-            <p:ph type="ftr" sz="quarter" idx="12"/>
-          </p:nvPr>
-        </p:nvSpPr>
-        <p:spPr/>
-        <p:txBody>
-          <a:bodyPr/>
-          <a:lstStyle/>
-          <a:p>
-            <a:pPr>
-              <a:defRPr/>
-            </a:pPr>
-            <a:endParaRPr lang="en-US"/>
+            <a:r>
+              <a:rPr lang="en-US" smtClean="0"/>
+              <a:t>Chef Software, Inc.</a:t>
+            </a:r>
+            <a:endParaRPr lang="en-US" dirty="0"/>
           </a:p>
         </p:txBody>
       </p:sp>
@@ -2442,12 +2136,12 @@
       </p:sp>
       <p:sp>
         <p:nvSpPr>
-          <p:cNvPr id="4" name="Slide Number Placeholder 3"/>
-          <p:cNvSpPr>
-            <a:spLocks noGrp="1"/>
-          </p:cNvSpPr>
-          <p:nvPr>
-            <p:ph type="sldNum" sz="quarter" idx="10"/>
+          <p:cNvPr id="5" name="Header Placeholder 4"/>
+          <p:cNvSpPr>
+            <a:spLocks noGrp="1"/>
+          </p:cNvSpPr>
+          <p:nvPr>
+            <p:ph type="hdr" sz="quarter" idx="11"/>
           </p:nvPr>
         </p:nvSpPr>
         <p:spPr/>
@@ -2458,25 +2152,22 @@
             <a:pPr>
               <a:defRPr/>
             </a:pPr>
-            <a:fld id="{DC3734AA-3150-D947-AC52-2F5DF48BFCD5}" type="slidenum">
+            <a:r>
               <a:rPr lang="en-US" smtClean="0"/>
-              <a:pPr>
-                <a:defRPr/>
-              </a:pPr>
-              <a:t>19</a:t>
-            </a:fld>
-            <a:endParaRPr lang="en-US" dirty="0"/>
-          </a:p>
-        </p:txBody>
-      </p:sp>
-      <p:sp>
-        <p:nvSpPr>
-          <p:cNvPr id="5" name="Header Placeholder 4"/>
-          <p:cNvSpPr>
-            <a:spLocks noGrp="1"/>
-          </p:cNvSpPr>
-          <p:nvPr>
-            <p:ph type="hdr" sz="quarter" idx="11"/>
+              <a:t>Extending Cookbooks</a:t>
+            </a:r>
+            <a:endParaRPr lang="en-US"/>
+          </a:p>
+        </p:txBody>
+      </p:sp>
+      <p:sp>
+        <p:nvSpPr>
+          <p:cNvPr id="7" name="Date Placeholder 6"/>
+          <p:cNvSpPr>
+            <a:spLocks noGrp="1"/>
+          </p:cNvSpPr>
+          <p:nvPr>
+            <p:ph type="dt" idx="13"/>
           </p:nvPr>
         </p:nvSpPr>
         <p:spPr/>
@@ -2487,29 +2178,11 @@
             <a:pPr>
               <a:defRPr/>
             </a:pPr>
-            <a:endParaRPr lang="en-US"/>
-          </a:p>
-        </p:txBody>
-      </p:sp>
-      <p:sp>
-        <p:nvSpPr>
-          <p:cNvPr id="6" name="Footer Placeholder 5"/>
-          <p:cNvSpPr>
-            <a:spLocks noGrp="1"/>
-          </p:cNvSpPr>
-          <p:nvPr>
-            <p:ph type="ftr" sz="quarter" idx="12"/>
-          </p:nvPr>
-        </p:nvSpPr>
-        <p:spPr/>
-        <p:txBody>
-          <a:bodyPr/>
-          <a:lstStyle/>
-          <a:p>
-            <a:pPr>
-              <a:defRPr/>
-            </a:pPr>
-            <a:endParaRPr lang="en-US"/>
+            <a:r>
+              <a:rPr lang="en-US" smtClean="0"/>
+              <a:t>Chef Software, Inc.</a:t>
+            </a:r>
+            <a:endParaRPr lang="en-US" dirty="0"/>
           </a:p>
         </p:txBody>
       </p:sp>
@@ -2608,12 +2281,12 @@
       </p:sp>
       <p:sp>
         <p:nvSpPr>
-          <p:cNvPr id="4" name="Slide Number Placeholder 3"/>
-          <p:cNvSpPr>
-            <a:spLocks noGrp="1"/>
-          </p:cNvSpPr>
-          <p:nvPr>
-            <p:ph type="sldNum" sz="quarter" idx="10"/>
+          <p:cNvPr id="5" name="Header Placeholder 4"/>
+          <p:cNvSpPr>
+            <a:spLocks noGrp="1"/>
+          </p:cNvSpPr>
+          <p:nvPr>
+            <p:ph type="hdr" sz="quarter" idx="11"/>
           </p:nvPr>
         </p:nvSpPr>
         <p:spPr/>
@@ -2624,25 +2297,22 @@
             <a:pPr>
               <a:defRPr/>
             </a:pPr>
-            <a:fld id="{DC3734AA-3150-D947-AC52-2F5DF48BFCD5}" type="slidenum">
+            <a:r>
               <a:rPr lang="en-US" smtClean="0"/>
-              <a:pPr>
-                <a:defRPr/>
-              </a:pPr>
-              <a:t>2</a:t>
-            </a:fld>
-            <a:endParaRPr lang="en-US" dirty="0"/>
-          </a:p>
-        </p:txBody>
-      </p:sp>
-      <p:sp>
-        <p:nvSpPr>
-          <p:cNvPr id="5" name="Header Placeholder 4"/>
-          <p:cNvSpPr>
-            <a:spLocks noGrp="1"/>
-          </p:cNvSpPr>
-          <p:nvPr>
-            <p:ph type="hdr" sz="quarter" idx="11"/>
+              <a:t>Extending Cookbooks</a:t>
+            </a:r>
+            <a:endParaRPr lang="en-US"/>
+          </a:p>
+        </p:txBody>
+      </p:sp>
+      <p:sp>
+        <p:nvSpPr>
+          <p:cNvPr id="7" name="Date Placeholder 6"/>
+          <p:cNvSpPr>
+            <a:spLocks noGrp="1"/>
+          </p:cNvSpPr>
+          <p:nvPr>
+            <p:ph type="dt" idx="13"/>
           </p:nvPr>
         </p:nvSpPr>
         <p:spPr/>
@@ -2653,29 +2323,11 @@
             <a:pPr>
               <a:defRPr/>
             </a:pPr>
-            <a:endParaRPr lang="en-US"/>
-          </a:p>
-        </p:txBody>
-      </p:sp>
-      <p:sp>
-        <p:nvSpPr>
-          <p:cNvPr id="6" name="Footer Placeholder 5"/>
-          <p:cNvSpPr>
-            <a:spLocks noGrp="1"/>
-          </p:cNvSpPr>
-          <p:nvPr>
-            <p:ph type="ftr" sz="quarter" idx="12"/>
-          </p:nvPr>
-        </p:nvSpPr>
-        <p:spPr/>
-        <p:txBody>
-          <a:bodyPr/>
-          <a:lstStyle/>
-          <a:p>
-            <a:pPr>
-              <a:defRPr/>
-            </a:pPr>
-            <a:endParaRPr lang="en-US"/>
+            <a:r>
+              <a:rPr lang="en-US" smtClean="0"/>
+              <a:t>Chef Software, Inc.</a:t>
+            </a:r>
+            <a:endParaRPr lang="en-US" dirty="0"/>
           </a:p>
         </p:txBody>
       </p:sp>
@@ -2750,12 +2402,12 @@
       </p:sp>
       <p:sp>
         <p:nvSpPr>
-          <p:cNvPr id="4" name="Slide Number Placeholder 3"/>
-          <p:cNvSpPr>
-            <a:spLocks noGrp="1"/>
-          </p:cNvSpPr>
-          <p:nvPr>
-            <p:ph type="sldNum" sz="quarter" idx="10"/>
+          <p:cNvPr id="5" name="Header Placeholder 4"/>
+          <p:cNvSpPr>
+            <a:spLocks noGrp="1"/>
+          </p:cNvSpPr>
+          <p:nvPr>
+            <p:ph type="hdr" sz="quarter" idx="11"/>
           </p:nvPr>
         </p:nvSpPr>
         <p:spPr/>
@@ -2766,25 +2418,22 @@
             <a:pPr>
               <a:defRPr/>
             </a:pPr>
-            <a:fld id="{DC3734AA-3150-D947-AC52-2F5DF48BFCD5}" type="slidenum">
+            <a:r>
               <a:rPr lang="en-US" smtClean="0"/>
-              <a:pPr>
-                <a:defRPr/>
-              </a:pPr>
-              <a:t>20</a:t>
-            </a:fld>
-            <a:endParaRPr lang="en-US" dirty="0"/>
-          </a:p>
-        </p:txBody>
-      </p:sp>
-      <p:sp>
-        <p:nvSpPr>
-          <p:cNvPr id="5" name="Header Placeholder 4"/>
-          <p:cNvSpPr>
-            <a:spLocks noGrp="1"/>
-          </p:cNvSpPr>
-          <p:nvPr>
-            <p:ph type="hdr" sz="quarter" idx="11"/>
+              <a:t>Extending Cookbooks</a:t>
+            </a:r>
+            <a:endParaRPr lang="en-US"/>
+          </a:p>
+        </p:txBody>
+      </p:sp>
+      <p:sp>
+        <p:nvSpPr>
+          <p:cNvPr id="7" name="Date Placeholder 6"/>
+          <p:cNvSpPr>
+            <a:spLocks noGrp="1"/>
+          </p:cNvSpPr>
+          <p:nvPr>
+            <p:ph type="dt" idx="13"/>
           </p:nvPr>
         </p:nvSpPr>
         <p:spPr/>
@@ -2795,29 +2444,11 @@
             <a:pPr>
               <a:defRPr/>
             </a:pPr>
-            <a:endParaRPr lang="en-US"/>
-          </a:p>
-        </p:txBody>
-      </p:sp>
-      <p:sp>
-        <p:nvSpPr>
-          <p:cNvPr id="6" name="Footer Placeholder 5"/>
-          <p:cNvSpPr>
-            <a:spLocks noGrp="1"/>
-          </p:cNvSpPr>
-          <p:nvPr>
-            <p:ph type="ftr" sz="quarter" idx="12"/>
-          </p:nvPr>
-        </p:nvSpPr>
-        <p:spPr/>
-        <p:txBody>
-          <a:bodyPr/>
-          <a:lstStyle/>
-          <a:p>
-            <a:pPr>
-              <a:defRPr/>
-            </a:pPr>
-            <a:endParaRPr lang="en-US"/>
+            <a:r>
+              <a:rPr lang="en-US" smtClean="0"/>
+              <a:t>Chef Software, Inc.</a:t>
+            </a:r>
+            <a:endParaRPr lang="en-US" dirty="0"/>
           </a:p>
         </p:txBody>
       </p:sp>
@@ -2924,12 +2555,12 @@
       </p:sp>
       <p:sp>
         <p:nvSpPr>
-          <p:cNvPr id="4" name="Slide Number Placeholder 3"/>
-          <p:cNvSpPr>
-            <a:spLocks noGrp="1"/>
-          </p:cNvSpPr>
-          <p:nvPr>
-            <p:ph type="sldNum" sz="quarter" idx="10"/>
+          <p:cNvPr id="5" name="Header Placeholder 4"/>
+          <p:cNvSpPr>
+            <a:spLocks noGrp="1"/>
+          </p:cNvSpPr>
+          <p:nvPr>
+            <p:ph type="hdr" sz="quarter" idx="11"/>
           </p:nvPr>
         </p:nvSpPr>
         <p:spPr/>
@@ -2940,25 +2571,22 @@
             <a:pPr>
               <a:defRPr/>
             </a:pPr>
-            <a:fld id="{DC3734AA-3150-D947-AC52-2F5DF48BFCD5}" type="slidenum">
+            <a:r>
               <a:rPr lang="en-US" smtClean="0"/>
-              <a:pPr>
-                <a:defRPr/>
-              </a:pPr>
-              <a:t>21</a:t>
-            </a:fld>
-            <a:endParaRPr lang="en-US" dirty="0"/>
-          </a:p>
-        </p:txBody>
-      </p:sp>
-      <p:sp>
-        <p:nvSpPr>
-          <p:cNvPr id="5" name="Header Placeholder 4"/>
-          <p:cNvSpPr>
-            <a:spLocks noGrp="1"/>
-          </p:cNvSpPr>
-          <p:nvPr>
-            <p:ph type="hdr" sz="quarter" idx="11"/>
+              <a:t>Extending Cookbooks</a:t>
+            </a:r>
+            <a:endParaRPr lang="en-US"/>
+          </a:p>
+        </p:txBody>
+      </p:sp>
+      <p:sp>
+        <p:nvSpPr>
+          <p:cNvPr id="7" name="Date Placeholder 6"/>
+          <p:cNvSpPr>
+            <a:spLocks noGrp="1"/>
+          </p:cNvSpPr>
+          <p:nvPr>
+            <p:ph type="dt" idx="13"/>
           </p:nvPr>
         </p:nvSpPr>
         <p:spPr/>
@@ -2969,29 +2597,11 @@
             <a:pPr>
               <a:defRPr/>
             </a:pPr>
-            <a:endParaRPr lang="en-US"/>
-          </a:p>
-        </p:txBody>
-      </p:sp>
-      <p:sp>
-        <p:nvSpPr>
-          <p:cNvPr id="6" name="Footer Placeholder 5"/>
-          <p:cNvSpPr>
-            <a:spLocks noGrp="1"/>
-          </p:cNvSpPr>
-          <p:nvPr>
-            <p:ph type="ftr" sz="quarter" idx="12"/>
-          </p:nvPr>
-        </p:nvSpPr>
-        <p:spPr/>
-        <p:txBody>
-          <a:bodyPr/>
-          <a:lstStyle/>
-          <a:p>
-            <a:pPr>
-              <a:defRPr/>
-            </a:pPr>
-            <a:endParaRPr lang="en-US"/>
+            <a:r>
+              <a:rPr lang="en-US" smtClean="0"/>
+              <a:t>Chef Software, Inc.</a:t>
+            </a:r>
+            <a:endParaRPr lang="en-US" dirty="0"/>
           </a:p>
         </p:txBody>
       </p:sp>
@@ -3070,12 +2680,12 @@
       </p:sp>
       <p:sp>
         <p:nvSpPr>
-          <p:cNvPr id="4" name="Slide Number Placeholder 3"/>
-          <p:cNvSpPr>
-            <a:spLocks noGrp="1"/>
-          </p:cNvSpPr>
-          <p:nvPr>
-            <p:ph type="sldNum" sz="quarter" idx="10"/>
+          <p:cNvPr id="5" name="Header Placeholder 4"/>
+          <p:cNvSpPr>
+            <a:spLocks noGrp="1"/>
+          </p:cNvSpPr>
+          <p:nvPr>
+            <p:ph type="hdr" sz="quarter" idx="11"/>
           </p:nvPr>
         </p:nvSpPr>
         <p:spPr/>
@@ -3086,25 +2696,22 @@
             <a:pPr>
               <a:defRPr/>
             </a:pPr>
-            <a:fld id="{DC3734AA-3150-D947-AC52-2F5DF48BFCD5}" type="slidenum">
+            <a:r>
               <a:rPr lang="en-US" smtClean="0"/>
-              <a:pPr>
-                <a:defRPr/>
-              </a:pPr>
-              <a:t>22</a:t>
-            </a:fld>
-            <a:endParaRPr lang="en-US" dirty="0"/>
-          </a:p>
-        </p:txBody>
-      </p:sp>
-      <p:sp>
-        <p:nvSpPr>
-          <p:cNvPr id="5" name="Header Placeholder 4"/>
-          <p:cNvSpPr>
-            <a:spLocks noGrp="1"/>
-          </p:cNvSpPr>
-          <p:nvPr>
-            <p:ph type="hdr" sz="quarter" idx="11"/>
+              <a:t>Extending Cookbooks</a:t>
+            </a:r>
+            <a:endParaRPr lang="en-US"/>
+          </a:p>
+        </p:txBody>
+      </p:sp>
+      <p:sp>
+        <p:nvSpPr>
+          <p:cNvPr id="7" name="Date Placeholder 6"/>
+          <p:cNvSpPr>
+            <a:spLocks noGrp="1"/>
+          </p:cNvSpPr>
+          <p:nvPr>
+            <p:ph type="dt" idx="13"/>
           </p:nvPr>
         </p:nvSpPr>
         <p:spPr/>
@@ -3115,29 +2722,11 @@
             <a:pPr>
               <a:defRPr/>
             </a:pPr>
-            <a:endParaRPr lang="en-US"/>
-          </a:p>
-        </p:txBody>
-      </p:sp>
-      <p:sp>
-        <p:nvSpPr>
-          <p:cNvPr id="6" name="Footer Placeholder 5"/>
-          <p:cNvSpPr>
-            <a:spLocks noGrp="1"/>
-          </p:cNvSpPr>
-          <p:nvPr>
-            <p:ph type="ftr" sz="quarter" idx="12"/>
-          </p:nvPr>
-        </p:nvSpPr>
-        <p:spPr/>
-        <p:txBody>
-          <a:bodyPr/>
-          <a:lstStyle/>
-          <a:p>
-            <a:pPr>
-              <a:defRPr/>
-            </a:pPr>
-            <a:endParaRPr lang="en-US"/>
+            <a:r>
+              <a:rPr lang="en-US" smtClean="0"/>
+              <a:t>Chef Software, Inc.</a:t>
+            </a:r>
+            <a:endParaRPr lang="en-US" dirty="0"/>
           </a:p>
         </p:txBody>
       </p:sp>
@@ -3210,12 +2799,12 @@
       </p:sp>
       <p:sp>
         <p:nvSpPr>
-          <p:cNvPr id="4" name="Slide Number Placeholder 3"/>
-          <p:cNvSpPr>
-            <a:spLocks noGrp="1"/>
-          </p:cNvSpPr>
-          <p:nvPr>
-            <p:ph type="sldNum" sz="quarter" idx="10"/>
+          <p:cNvPr id="5" name="Header Placeholder 4"/>
+          <p:cNvSpPr>
+            <a:spLocks noGrp="1"/>
+          </p:cNvSpPr>
+          <p:nvPr>
+            <p:ph type="hdr" sz="quarter" idx="11"/>
           </p:nvPr>
         </p:nvSpPr>
         <p:spPr/>
@@ -3226,25 +2815,22 @@
             <a:pPr>
               <a:defRPr/>
             </a:pPr>
-            <a:fld id="{DC3734AA-3150-D947-AC52-2F5DF48BFCD5}" type="slidenum">
+            <a:r>
               <a:rPr lang="en-US" smtClean="0"/>
-              <a:pPr>
-                <a:defRPr/>
-              </a:pPr>
-              <a:t>23</a:t>
-            </a:fld>
-            <a:endParaRPr lang="en-US" dirty="0"/>
-          </a:p>
-        </p:txBody>
-      </p:sp>
-      <p:sp>
-        <p:nvSpPr>
-          <p:cNvPr id="5" name="Header Placeholder 4"/>
-          <p:cNvSpPr>
-            <a:spLocks noGrp="1"/>
-          </p:cNvSpPr>
-          <p:nvPr>
-            <p:ph type="hdr" sz="quarter" idx="11"/>
+              <a:t>Extending Cookbooks</a:t>
+            </a:r>
+            <a:endParaRPr lang="en-US"/>
+          </a:p>
+        </p:txBody>
+      </p:sp>
+      <p:sp>
+        <p:nvSpPr>
+          <p:cNvPr id="7" name="Date Placeholder 6"/>
+          <p:cNvSpPr>
+            <a:spLocks noGrp="1"/>
+          </p:cNvSpPr>
+          <p:nvPr>
+            <p:ph type="dt" idx="13"/>
           </p:nvPr>
         </p:nvSpPr>
         <p:spPr/>
@@ -3255,29 +2841,11 @@
             <a:pPr>
               <a:defRPr/>
             </a:pPr>
-            <a:endParaRPr lang="en-US"/>
-          </a:p>
-        </p:txBody>
-      </p:sp>
-      <p:sp>
-        <p:nvSpPr>
-          <p:cNvPr id="6" name="Footer Placeholder 5"/>
-          <p:cNvSpPr>
-            <a:spLocks noGrp="1"/>
-          </p:cNvSpPr>
-          <p:nvPr>
-            <p:ph type="ftr" sz="quarter" idx="12"/>
-          </p:nvPr>
-        </p:nvSpPr>
-        <p:spPr/>
-        <p:txBody>
-          <a:bodyPr/>
-          <a:lstStyle/>
-          <a:p>
-            <a:pPr>
-              <a:defRPr/>
-            </a:pPr>
-            <a:endParaRPr lang="en-US"/>
+            <a:r>
+              <a:rPr lang="en-US" smtClean="0"/>
+              <a:t>Chef Software, Inc.</a:t>
+            </a:r>
+            <a:endParaRPr lang="en-US" dirty="0"/>
           </a:p>
         </p:txBody>
       </p:sp>
@@ -3350,12 +2918,12 @@
       </p:sp>
       <p:sp>
         <p:nvSpPr>
-          <p:cNvPr id="4" name="Slide Number Placeholder 3"/>
-          <p:cNvSpPr>
-            <a:spLocks noGrp="1"/>
-          </p:cNvSpPr>
-          <p:nvPr>
-            <p:ph type="sldNum" sz="quarter" idx="10"/>
+          <p:cNvPr id="5" name="Header Placeholder 4"/>
+          <p:cNvSpPr>
+            <a:spLocks noGrp="1"/>
+          </p:cNvSpPr>
+          <p:nvPr>
+            <p:ph type="hdr" sz="quarter" idx="11"/>
           </p:nvPr>
         </p:nvSpPr>
         <p:spPr/>
@@ -3366,25 +2934,22 @@
             <a:pPr>
               <a:defRPr/>
             </a:pPr>
-            <a:fld id="{DC3734AA-3150-D947-AC52-2F5DF48BFCD5}" type="slidenum">
+            <a:r>
               <a:rPr lang="en-US" smtClean="0"/>
-              <a:pPr>
-                <a:defRPr/>
-              </a:pPr>
-              <a:t>24</a:t>
-            </a:fld>
-            <a:endParaRPr lang="en-US" dirty="0"/>
-          </a:p>
-        </p:txBody>
-      </p:sp>
-      <p:sp>
-        <p:nvSpPr>
-          <p:cNvPr id="5" name="Header Placeholder 4"/>
-          <p:cNvSpPr>
-            <a:spLocks noGrp="1"/>
-          </p:cNvSpPr>
-          <p:nvPr>
-            <p:ph type="hdr" sz="quarter" idx="11"/>
+              <a:t>Extending Cookbooks</a:t>
+            </a:r>
+            <a:endParaRPr lang="en-US"/>
+          </a:p>
+        </p:txBody>
+      </p:sp>
+      <p:sp>
+        <p:nvSpPr>
+          <p:cNvPr id="7" name="Date Placeholder 6"/>
+          <p:cNvSpPr>
+            <a:spLocks noGrp="1"/>
+          </p:cNvSpPr>
+          <p:nvPr>
+            <p:ph type="dt" idx="13"/>
           </p:nvPr>
         </p:nvSpPr>
         <p:spPr/>
@@ -3395,29 +2960,11 @@
             <a:pPr>
               <a:defRPr/>
             </a:pPr>
-            <a:endParaRPr lang="en-US"/>
-          </a:p>
-        </p:txBody>
-      </p:sp>
-      <p:sp>
-        <p:nvSpPr>
-          <p:cNvPr id="6" name="Footer Placeholder 5"/>
-          <p:cNvSpPr>
-            <a:spLocks noGrp="1"/>
-          </p:cNvSpPr>
-          <p:nvPr>
-            <p:ph type="ftr" sz="quarter" idx="12"/>
-          </p:nvPr>
-        </p:nvSpPr>
-        <p:spPr/>
-        <p:txBody>
-          <a:bodyPr/>
-          <a:lstStyle/>
-          <a:p>
-            <a:pPr>
-              <a:defRPr/>
-            </a:pPr>
-            <a:endParaRPr lang="en-US"/>
+            <a:r>
+              <a:rPr lang="en-US" smtClean="0"/>
+              <a:t>Chef Software, Inc.</a:t>
+            </a:r>
+            <a:endParaRPr lang="en-US" dirty="0"/>
           </a:p>
         </p:txBody>
       </p:sp>
@@ -3488,12 +3035,12 @@
       </p:sp>
       <p:sp>
         <p:nvSpPr>
-          <p:cNvPr id="4" name="Slide Number Placeholder 3"/>
-          <p:cNvSpPr>
-            <a:spLocks noGrp="1"/>
-          </p:cNvSpPr>
-          <p:nvPr>
-            <p:ph type="sldNum" sz="quarter" idx="10"/>
+          <p:cNvPr id="5" name="Header Placeholder 4"/>
+          <p:cNvSpPr>
+            <a:spLocks noGrp="1"/>
+          </p:cNvSpPr>
+          <p:nvPr>
+            <p:ph type="hdr" sz="quarter" idx="11"/>
           </p:nvPr>
         </p:nvSpPr>
         <p:spPr/>
@@ -3504,25 +3051,22 @@
             <a:pPr>
               <a:defRPr/>
             </a:pPr>
-            <a:fld id="{DC3734AA-3150-D947-AC52-2F5DF48BFCD5}" type="slidenum">
+            <a:r>
               <a:rPr lang="en-US" smtClean="0"/>
-              <a:pPr>
-                <a:defRPr/>
-              </a:pPr>
-              <a:t>25</a:t>
-            </a:fld>
-            <a:endParaRPr lang="en-US" dirty="0"/>
-          </a:p>
-        </p:txBody>
-      </p:sp>
-      <p:sp>
-        <p:nvSpPr>
-          <p:cNvPr id="5" name="Header Placeholder 4"/>
-          <p:cNvSpPr>
-            <a:spLocks noGrp="1"/>
-          </p:cNvSpPr>
-          <p:nvPr>
-            <p:ph type="hdr" sz="quarter" idx="11"/>
+              <a:t>Extending Cookbooks</a:t>
+            </a:r>
+            <a:endParaRPr lang="en-US"/>
+          </a:p>
+        </p:txBody>
+      </p:sp>
+      <p:sp>
+        <p:nvSpPr>
+          <p:cNvPr id="7" name="Date Placeholder 6"/>
+          <p:cNvSpPr>
+            <a:spLocks noGrp="1"/>
+          </p:cNvSpPr>
+          <p:nvPr>
+            <p:ph type="dt" idx="13"/>
           </p:nvPr>
         </p:nvSpPr>
         <p:spPr/>
@@ -3533,29 +3077,11 @@
             <a:pPr>
               <a:defRPr/>
             </a:pPr>
-            <a:endParaRPr lang="en-US"/>
-          </a:p>
-        </p:txBody>
-      </p:sp>
-      <p:sp>
-        <p:nvSpPr>
-          <p:cNvPr id="6" name="Footer Placeholder 5"/>
-          <p:cNvSpPr>
-            <a:spLocks noGrp="1"/>
-          </p:cNvSpPr>
-          <p:nvPr>
-            <p:ph type="ftr" sz="quarter" idx="12"/>
-          </p:nvPr>
-        </p:nvSpPr>
-        <p:spPr/>
-        <p:txBody>
-          <a:bodyPr/>
-          <a:lstStyle/>
-          <a:p>
-            <a:pPr>
-              <a:defRPr/>
-            </a:pPr>
-            <a:endParaRPr lang="en-US"/>
+            <a:r>
+              <a:rPr lang="en-US" smtClean="0"/>
+              <a:t>Chef Software, Inc.</a:t>
+            </a:r>
+            <a:endParaRPr lang="en-US" dirty="0"/>
           </a:p>
         </p:txBody>
       </p:sp>
@@ -3654,12 +3180,12 @@
       </p:sp>
       <p:sp>
         <p:nvSpPr>
-          <p:cNvPr id="4" name="Slide Number Placeholder 3"/>
-          <p:cNvSpPr>
-            <a:spLocks noGrp="1"/>
-          </p:cNvSpPr>
-          <p:nvPr>
-            <p:ph type="sldNum" sz="quarter" idx="10"/>
+          <p:cNvPr id="5" name="Header Placeholder 4"/>
+          <p:cNvSpPr>
+            <a:spLocks noGrp="1"/>
+          </p:cNvSpPr>
+          <p:nvPr>
+            <p:ph type="hdr" sz="quarter" idx="11"/>
           </p:nvPr>
         </p:nvSpPr>
         <p:spPr/>
@@ -3670,25 +3196,22 @@
             <a:pPr>
               <a:defRPr/>
             </a:pPr>
-            <a:fld id="{DC3734AA-3150-D947-AC52-2F5DF48BFCD5}" type="slidenum">
+            <a:r>
               <a:rPr lang="en-US" smtClean="0"/>
-              <a:pPr>
-                <a:defRPr/>
-              </a:pPr>
-              <a:t>26</a:t>
-            </a:fld>
-            <a:endParaRPr lang="en-US" dirty="0"/>
-          </a:p>
-        </p:txBody>
-      </p:sp>
-      <p:sp>
-        <p:nvSpPr>
-          <p:cNvPr id="5" name="Header Placeholder 4"/>
-          <p:cNvSpPr>
-            <a:spLocks noGrp="1"/>
-          </p:cNvSpPr>
-          <p:nvPr>
-            <p:ph type="hdr" sz="quarter" idx="11"/>
+              <a:t>Extending Cookbooks</a:t>
+            </a:r>
+            <a:endParaRPr lang="en-US"/>
+          </a:p>
+        </p:txBody>
+      </p:sp>
+      <p:sp>
+        <p:nvSpPr>
+          <p:cNvPr id="7" name="Date Placeholder 6"/>
+          <p:cNvSpPr>
+            <a:spLocks noGrp="1"/>
+          </p:cNvSpPr>
+          <p:nvPr>
+            <p:ph type="dt" idx="13"/>
           </p:nvPr>
         </p:nvSpPr>
         <p:spPr/>
@@ -3699,29 +3222,11 @@
             <a:pPr>
               <a:defRPr/>
             </a:pPr>
-            <a:endParaRPr lang="en-US"/>
-          </a:p>
-        </p:txBody>
-      </p:sp>
-      <p:sp>
-        <p:nvSpPr>
-          <p:cNvPr id="6" name="Footer Placeholder 5"/>
-          <p:cNvSpPr>
-            <a:spLocks noGrp="1"/>
-          </p:cNvSpPr>
-          <p:nvPr>
-            <p:ph type="ftr" sz="quarter" idx="12"/>
-          </p:nvPr>
-        </p:nvSpPr>
-        <p:spPr/>
-        <p:txBody>
-          <a:bodyPr/>
-          <a:lstStyle/>
-          <a:p>
-            <a:pPr>
-              <a:defRPr/>
-            </a:pPr>
-            <a:endParaRPr lang="en-US"/>
+            <a:r>
+              <a:rPr lang="en-US" smtClean="0"/>
+              <a:t>Chef Software, Inc.</a:t>
+            </a:r>
+            <a:endParaRPr lang="en-US" dirty="0"/>
           </a:p>
         </p:txBody>
       </p:sp>
@@ -3849,12 +3354,12 @@
       </p:sp>
       <p:sp>
         <p:nvSpPr>
-          <p:cNvPr id="4" name="Slide Number Placeholder 3"/>
-          <p:cNvSpPr>
-            <a:spLocks noGrp="1"/>
-          </p:cNvSpPr>
-          <p:nvPr>
-            <p:ph type="sldNum" sz="quarter" idx="10"/>
+          <p:cNvPr id="5" name="Header Placeholder 4"/>
+          <p:cNvSpPr>
+            <a:spLocks noGrp="1"/>
+          </p:cNvSpPr>
+          <p:nvPr>
+            <p:ph type="hdr" sz="quarter" idx="11"/>
           </p:nvPr>
         </p:nvSpPr>
         <p:spPr/>
@@ -3865,25 +3370,22 @@
             <a:pPr>
               <a:defRPr/>
             </a:pPr>
-            <a:fld id="{DC3734AA-3150-D947-AC52-2F5DF48BFCD5}" type="slidenum">
+            <a:r>
               <a:rPr lang="en-US" smtClean="0"/>
-              <a:pPr>
-                <a:defRPr/>
-              </a:pPr>
-              <a:t>27</a:t>
-            </a:fld>
-            <a:endParaRPr lang="en-US" dirty="0"/>
-          </a:p>
-        </p:txBody>
-      </p:sp>
-      <p:sp>
-        <p:nvSpPr>
-          <p:cNvPr id="5" name="Header Placeholder 4"/>
-          <p:cNvSpPr>
-            <a:spLocks noGrp="1"/>
-          </p:cNvSpPr>
-          <p:nvPr>
-            <p:ph type="hdr" sz="quarter" idx="11"/>
+              <a:t>Extending Cookbooks</a:t>
+            </a:r>
+            <a:endParaRPr lang="en-US"/>
+          </a:p>
+        </p:txBody>
+      </p:sp>
+      <p:sp>
+        <p:nvSpPr>
+          <p:cNvPr id="7" name="Date Placeholder 6"/>
+          <p:cNvSpPr>
+            <a:spLocks noGrp="1"/>
+          </p:cNvSpPr>
+          <p:nvPr>
+            <p:ph type="dt" idx="13"/>
           </p:nvPr>
         </p:nvSpPr>
         <p:spPr/>
@@ -3894,29 +3396,11 @@
             <a:pPr>
               <a:defRPr/>
             </a:pPr>
-            <a:endParaRPr lang="en-US"/>
-          </a:p>
-        </p:txBody>
-      </p:sp>
-      <p:sp>
-        <p:nvSpPr>
-          <p:cNvPr id="6" name="Footer Placeholder 5"/>
-          <p:cNvSpPr>
-            <a:spLocks noGrp="1"/>
-          </p:cNvSpPr>
-          <p:nvPr>
-            <p:ph type="ftr" sz="quarter" idx="12"/>
-          </p:nvPr>
-        </p:nvSpPr>
-        <p:spPr/>
-        <p:txBody>
-          <a:bodyPr/>
-          <a:lstStyle/>
-          <a:p>
-            <a:pPr>
-              <a:defRPr/>
-            </a:pPr>
-            <a:endParaRPr lang="en-US"/>
+            <a:r>
+              <a:rPr lang="en-US" smtClean="0"/>
+              <a:t>Chef Software, Inc.</a:t>
+            </a:r>
+            <a:endParaRPr lang="en-US" dirty="0"/>
           </a:p>
         </p:txBody>
       </p:sp>
@@ -3987,12 +3471,12 @@
       </p:sp>
       <p:sp>
         <p:nvSpPr>
-          <p:cNvPr id="4" name="Slide Number Placeholder 3"/>
-          <p:cNvSpPr>
-            <a:spLocks noGrp="1"/>
-          </p:cNvSpPr>
-          <p:nvPr>
-            <p:ph type="sldNum" sz="quarter" idx="10"/>
+          <p:cNvPr id="5" name="Header Placeholder 4"/>
+          <p:cNvSpPr>
+            <a:spLocks noGrp="1"/>
+          </p:cNvSpPr>
+          <p:nvPr>
+            <p:ph type="hdr" sz="quarter" idx="11"/>
           </p:nvPr>
         </p:nvSpPr>
         <p:spPr/>
@@ -4003,25 +3487,22 @@
             <a:pPr>
               <a:defRPr/>
             </a:pPr>
-            <a:fld id="{DC3734AA-3150-D947-AC52-2F5DF48BFCD5}" type="slidenum">
+            <a:r>
               <a:rPr lang="en-US" smtClean="0"/>
-              <a:pPr>
-                <a:defRPr/>
-              </a:pPr>
-              <a:t>29</a:t>
-            </a:fld>
-            <a:endParaRPr lang="en-US" dirty="0"/>
-          </a:p>
-        </p:txBody>
-      </p:sp>
-      <p:sp>
-        <p:nvSpPr>
-          <p:cNvPr id="5" name="Header Placeholder 4"/>
-          <p:cNvSpPr>
-            <a:spLocks noGrp="1"/>
-          </p:cNvSpPr>
-          <p:nvPr>
-            <p:ph type="hdr" sz="quarter" idx="11"/>
+              <a:t>Extending Cookbooks</a:t>
+            </a:r>
+            <a:endParaRPr lang="en-US"/>
+          </a:p>
+        </p:txBody>
+      </p:sp>
+      <p:sp>
+        <p:nvSpPr>
+          <p:cNvPr id="7" name="Date Placeholder 6"/>
+          <p:cNvSpPr>
+            <a:spLocks noGrp="1"/>
+          </p:cNvSpPr>
+          <p:nvPr>
+            <p:ph type="dt" idx="13"/>
           </p:nvPr>
         </p:nvSpPr>
         <p:spPr/>
@@ -4032,29 +3513,11 @@
             <a:pPr>
               <a:defRPr/>
             </a:pPr>
-            <a:endParaRPr lang="en-US"/>
-          </a:p>
-        </p:txBody>
-      </p:sp>
-      <p:sp>
-        <p:nvSpPr>
-          <p:cNvPr id="6" name="Footer Placeholder 5"/>
-          <p:cNvSpPr>
-            <a:spLocks noGrp="1"/>
-          </p:cNvSpPr>
-          <p:nvPr>
-            <p:ph type="ftr" sz="quarter" idx="12"/>
-          </p:nvPr>
-        </p:nvSpPr>
-        <p:spPr/>
-        <p:txBody>
-          <a:bodyPr/>
-          <a:lstStyle/>
-          <a:p>
-            <a:pPr>
-              <a:defRPr/>
-            </a:pPr>
-            <a:endParaRPr lang="en-US"/>
+            <a:r>
+              <a:rPr lang="en-US" smtClean="0"/>
+              <a:t>Chef Software, Inc.</a:t>
+            </a:r>
+            <a:endParaRPr lang="en-US" dirty="0"/>
           </a:p>
         </p:txBody>
       </p:sp>
@@ -4121,12 +3584,12 @@
       </p:sp>
       <p:sp>
         <p:nvSpPr>
-          <p:cNvPr id="4" name="Slide Number Placeholder 3"/>
-          <p:cNvSpPr>
-            <a:spLocks noGrp="1"/>
-          </p:cNvSpPr>
-          <p:nvPr>
-            <p:ph type="sldNum" sz="quarter" idx="10"/>
+          <p:cNvPr id="5" name="Header Placeholder 4"/>
+          <p:cNvSpPr>
+            <a:spLocks noGrp="1"/>
+          </p:cNvSpPr>
+          <p:nvPr>
+            <p:ph type="hdr" sz="quarter" idx="11"/>
           </p:nvPr>
         </p:nvSpPr>
         <p:spPr/>
@@ -4137,25 +3600,22 @@
             <a:pPr>
               <a:defRPr/>
             </a:pPr>
-            <a:fld id="{DC3734AA-3150-D947-AC52-2F5DF48BFCD5}" type="slidenum">
+            <a:r>
               <a:rPr lang="en-US" smtClean="0"/>
-              <a:pPr>
-                <a:defRPr/>
-              </a:pPr>
-              <a:t>30</a:t>
-            </a:fld>
-            <a:endParaRPr lang="en-US" dirty="0"/>
-          </a:p>
-        </p:txBody>
-      </p:sp>
-      <p:sp>
-        <p:nvSpPr>
-          <p:cNvPr id="5" name="Header Placeholder 4"/>
-          <p:cNvSpPr>
-            <a:spLocks noGrp="1"/>
-          </p:cNvSpPr>
-          <p:nvPr>
-            <p:ph type="hdr" sz="quarter" idx="11"/>
+              <a:t>Extending Cookbooks</a:t>
+            </a:r>
+            <a:endParaRPr lang="en-US"/>
+          </a:p>
+        </p:txBody>
+      </p:sp>
+      <p:sp>
+        <p:nvSpPr>
+          <p:cNvPr id="7" name="Date Placeholder 6"/>
+          <p:cNvSpPr>
+            <a:spLocks noGrp="1"/>
+          </p:cNvSpPr>
+          <p:nvPr>
+            <p:ph type="dt" idx="13"/>
           </p:nvPr>
         </p:nvSpPr>
         <p:spPr/>
@@ -4166,29 +3626,11 @@
             <a:pPr>
               <a:defRPr/>
             </a:pPr>
-            <a:endParaRPr lang="en-US"/>
-          </a:p>
-        </p:txBody>
-      </p:sp>
-      <p:sp>
-        <p:nvSpPr>
-          <p:cNvPr id="6" name="Footer Placeholder 5"/>
-          <p:cNvSpPr>
-            <a:spLocks noGrp="1"/>
-          </p:cNvSpPr>
-          <p:nvPr>
-            <p:ph type="ftr" sz="quarter" idx="12"/>
-          </p:nvPr>
-        </p:nvSpPr>
-        <p:spPr/>
-        <p:txBody>
-          <a:bodyPr/>
-          <a:lstStyle/>
-          <a:p>
-            <a:pPr>
-              <a:defRPr/>
-            </a:pPr>
-            <a:endParaRPr lang="en-US"/>
+            <a:r>
+              <a:rPr lang="en-US" smtClean="0"/>
+              <a:t>Chef Software, Inc.</a:t>
+            </a:r>
+            <a:endParaRPr lang="en-US" dirty="0"/>
           </a:p>
         </p:txBody>
       </p:sp>
@@ -4263,12 +3705,12 @@
       </p:sp>
       <p:sp>
         <p:nvSpPr>
-          <p:cNvPr id="4" name="Slide Number Placeholder 3"/>
-          <p:cNvSpPr>
-            <a:spLocks noGrp="1"/>
-          </p:cNvSpPr>
-          <p:nvPr>
-            <p:ph type="sldNum" sz="quarter" idx="10"/>
+          <p:cNvPr id="5" name="Header Placeholder 4"/>
+          <p:cNvSpPr>
+            <a:spLocks noGrp="1"/>
+          </p:cNvSpPr>
+          <p:nvPr>
+            <p:ph type="hdr" sz="quarter" idx="11"/>
           </p:nvPr>
         </p:nvSpPr>
         <p:spPr/>
@@ -4279,25 +3721,22 @@
             <a:pPr>
               <a:defRPr/>
             </a:pPr>
-            <a:fld id="{DC3734AA-3150-D947-AC52-2F5DF48BFCD5}" type="slidenum">
+            <a:r>
               <a:rPr lang="en-US" smtClean="0"/>
-              <a:pPr>
-                <a:defRPr/>
-              </a:pPr>
-              <a:t>3</a:t>
-            </a:fld>
-            <a:endParaRPr lang="en-US" dirty="0"/>
-          </a:p>
-        </p:txBody>
-      </p:sp>
-      <p:sp>
-        <p:nvSpPr>
-          <p:cNvPr id="5" name="Header Placeholder 4"/>
-          <p:cNvSpPr>
-            <a:spLocks noGrp="1"/>
-          </p:cNvSpPr>
-          <p:nvPr>
-            <p:ph type="hdr" sz="quarter" idx="11"/>
+              <a:t>Extending Cookbooks</a:t>
+            </a:r>
+            <a:endParaRPr lang="en-US"/>
+          </a:p>
+        </p:txBody>
+      </p:sp>
+      <p:sp>
+        <p:nvSpPr>
+          <p:cNvPr id="7" name="Date Placeholder 6"/>
+          <p:cNvSpPr>
+            <a:spLocks noGrp="1"/>
+          </p:cNvSpPr>
+          <p:nvPr>
+            <p:ph type="dt" idx="13"/>
           </p:nvPr>
         </p:nvSpPr>
         <p:spPr/>
@@ -4308,29 +3747,11 @@
             <a:pPr>
               <a:defRPr/>
             </a:pPr>
-            <a:endParaRPr lang="en-US"/>
-          </a:p>
-        </p:txBody>
-      </p:sp>
-      <p:sp>
-        <p:nvSpPr>
-          <p:cNvPr id="6" name="Footer Placeholder 5"/>
-          <p:cNvSpPr>
-            <a:spLocks noGrp="1"/>
-          </p:cNvSpPr>
-          <p:nvPr>
-            <p:ph type="ftr" sz="quarter" idx="12"/>
-          </p:nvPr>
-        </p:nvSpPr>
-        <p:spPr/>
-        <p:txBody>
-          <a:bodyPr/>
-          <a:lstStyle/>
-          <a:p>
-            <a:pPr>
-              <a:defRPr/>
-            </a:pPr>
-            <a:endParaRPr lang="en-US"/>
+            <a:r>
+              <a:rPr lang="en-US" smtClean="0"/>
+              <a:t>Chef Software, Inc.</a:t>
+            </a:r>
+            <a:endParaRPr lang="en-US" dirty="0"/>
           </a:p>
         </p:txBody>
       </p:sp>
@@ -4401,12 +3822,12 @@
       </p:sp>
       <p:sp>
         <p:nvSpPr>
-          <p:cNvPr id="4" name="Slide Number Placeholder 3"/>
-          <p:cNvSpPr>
-            <a:spLocks noGrp="1"/>
-          </p:cNvSpPr>
-          <p:nvPr>
-            <p:ph type="sldNum" sz="quarter" idx="10"/>
+          <p:cNvPr id="5" name="Header Placeholder 4"/>
+          <p:cNvSpPr>
+            <a:spLocks noGrp="1"/>
+          </p:cNvSpPr>
+          <p:nvPr>
+            <p:ph type="hdr" sz="quarter" idx="11"/>
           </p:nvPr>
         </p:nvSpPr>
         <p:spPr/>
@@ -4417,25 +3838,22 @@
             <a:pPr>
               <a:defRPr/>
             </a:pPr>
-            <a:fld id="{DC3734AA-3150-D947-AC52-2F5DF48BFCD5}" type="slidenum">
+            <a:r>
               <a:rPr lang="en-US" smtClean="0"/>
-              <a:pPr>
-                <a:defRPr/>
-              </a:pPr>
-              <a:t>31</a:t>
-            </a:fld>
-            <a:endParaRPr lang="en-US" dirty="0"/>
-          </a:p>
-        </p:txBody>
-      </p:sp>
-      <p:sp>
-        <p:nvSpPr>
-          <p:cNvPr id="5" name="Header Placeholder 4"/>
-          <p:cNvSpPr>
-            <a:spLocks noGrp="1"/>
-          </p:cNvSpPr>
-          <p:nvPr>
-            <p:ph type="hdr" sz="quarter" idx="11"/>
+              <a:t>Extending Cookbooks</a:t>
+            </a:r>
+            <a:endParaRPr lang="en-US"/>
+          </a:p>
+        </p:txBody>
+      </p:sp>
+      <p:sp>
+        <p:nvSpPr>
+          <p:cNvPr id="7" name="Date Placeholder 6"/>
+          <p:cNvSpPr>
+            <a:spLocks noGrp="1"/>
+          </p:cNvSpPr>
+          <p:nvPr>
+            <p:ph type="dt" idx="13"/>
           </p:nvPr>
         </p:nvSpPr>
         <p:spPr/>
@@ -4446,29 +3864,11 @@
             <a:pPr>
               <a:defRPr/>
             </a:pPr>
-            <a:endParaRPr lang="en-US"/>
-          </a:p>
-        </p:txBody>
-      </p:sp>
-      <p:sp>
-        <p:nvSpPr>
-          <p:cNvPr id="6" name="Footer Placeholder 5"/>
-          <p:cNvSpPr>
-            <a:spLocks noGrp="1"/>
-          </p:cNvSpPr>
-          <p:nvPr>
-            <p:ph type="ftr" sz="quarter" idx="12"/>
-          </p:nvPr>
-        </p:nvSpPr>
-        <p:spPr/>
-        <p:txBody>
-          <a:bodyPr/>
-          <a:lstStyle/>
-          <a:p>
-            <a:pPr>
-              <a:defRPr/>
-            </a:pPr>
-            <a:endParaRPr lang="en-US"/>
+            <a:r>
+              <a:rPr lang="en-US" smtClean="0"/>
+              <a:t>Chef Software, Inc.</a:t>
+            </a:r>
+            <a:endParaRPr lang="en-US" dirty="0"/>
           </a:p>
         </p:txBody>
       </p:sp>
@@ -4547,12 +3947,12 @@
       </p:sp>
       <p:sp>
         <p:nvSpPr>
-          <p:cNvPr id="4" name="Slide Number Placeholder 3"/>
-          <p:cNvSpPr>
-            <a:spLocks noGrp="1"/>
-          </p:cNvSpPr>
-          <p:nvPr>
-            <p:ph type="sldNum" sz="quarter" idx="10"/>
+          <p:cNvPr id="5" name="Header Placeholder 4"/>
+          <p:cNvSpPr>
+            <a:spLocks noGrp="1"/>
+          </p:cNvSpPr>
+          <p:nvPr>
+            <p:ph type="hdr" sz="quarter" idx="11"/>
           </p:nvPr>
         </p:nvSpPr>
         <p:spPr/>
@@ -4563,25 +3963,22 @@
             <a:pPr>
               <a:defRPr/>
             </a:pPr>
-            <a:fld id="{DC3734AA-3150-D947-AC52-2F5DF48BFCD5}" type="slidenum">
+            <a:r>
               <a:rPr lang="en-US" smtClean="0"/>
-              <a:pPr>
-                <a:defRPr/>
-              </a:pPr>
-              <a:t>4</a:t>
-            </a:fld>
-            <a:endParaRPr lang="en-US" dirty="0"/>
-          </a:p>
-        </p:txBody>
-      </p:sp>
-      <p:sp>
-        <p:nvSpPr>
-          <p:cNvPr id="5" name="Header Placeholder 4"/>
-          <p:cNvSpPr>
-            <a:spLocks noGrp="1"/>
-          </p:cNvSpPr>
-          <p:nvPr>
-            <p:ph type="hdr" sz="quarter" idx="11"/>
+              <a:t>Extending Cookbooks</a:t>
+            </a:r>
+            <a:endParaRPr lang="en-US"/>
+          </a:p>
+        </p:txBody>
+      </p:sp>
+      <p:sp>
+        <p:nvSpPr>
+          <p:cNvPr id="7" name="Date Placeholder 6"/>
+          <p:cNvSpPr>
+            <a:spLocks noGrp="1"/>
+          </p:cNvSpPr>
+          <p:nvPr>
+            <p:ph type="dt" idx="13"/>
           </p:nvPr>
         </p:nvSpPr>
         <p:spPr/>
@@ -4592,29 +3989,11 @@
             <a:pPr>
               <a:defRPr/>
             </a:pPr>
-            <a:endParaRPr lang="en-US"/>
-          </a:p>
-        </p:txBody>
-      </p:sp>
-      <p:sp>
-        <p:nvSpPr>
-          <p:cNvPr id="6" name="Footer Placeholder 5"/>
-          <p:cNvSpPr>
-            <a:spLocks noGrp="1"/>
-          </p:cNvSpPr>
-          <p:nvPr>
-            <p:ph type="ftr" sz="quarter" idx="12"/>
-          </p:nvPr>
-        </p:nvSpPr>
-        <p:spPr/>
-        <p:txBody>
-          <a:bodyPr/>
-          <a:lstStyle/>
-          <a:p>
-            <a:pPr>
-              <a:defRPr/>
-            </a:pPr>
-            <a:endParaRPr lang="en-US"/>
+            <a:r>
+              <a:rPr lang="en-US" smtClean="0"/>
+              <a:t>Chef Software, Inc.</a:t>
+            </a:r>
+            <a:endParaRPr lang="en-US" dirty="0"/>
           </a:p>
         </p:txBody>
       </p:sp>
@@ -4692,12 +4071,12 @@
       </p:sp>
       <p:sp>
         <p:nvSpPr>
-          <p:cNvPr id="4" name="Slide Number Placeholder 3"/>
-          <p:cNvSpPr>
-            <a:spLocks noGrp="1"/>
-          </p:cNvSpPr>
-          <p:nvPr>
-            <p:ph type="sldNum" sz="quarter" idx="10"/>
+          <p:cNvPr id="5" name="Header Placeholder 4"/>
+          <p:cNvSpPr>
+            <a:spLocks noGrp="1"/>
+          </p:cNvSpPr>
+          <p:nvPr>
+            <p:ph type="hdr" sz="quarter" idx="11"/>
           </p:nvPr>
         </p:nvSpPr>
         <p:spPr/>
@@ -4708,25 +4087,22 @@
             <a:pPr>
               <a:defRPr/>
             </a:pPr>
-            <a:fld id="{DC3734AA-3150-D947-AC52-2F5DF48BFCD5}" type="slidenum">
+            <a:r>
               <a:rPr lang="en-US" smtClean="0"/>
-              <a:pPr>
-                <a:defRPr/>
-              </a:pPr>
-              <a:t>5</a:t>
-            </a:fld>
-            <a:endParaRPr lang="en-US" dirty="0"/>
-          </a:p>
-        </p:txBody>
-      </p:sp>
-      <p:sp>
-        <p:nvSpPr>
-          <p:cNvPr id="5" name="Header Placeholder 4"/>
-          <p:cNvSpPr>
-            <a:spLocks noGrp="1"/>
-          </p:cNvSpPr>
-          <p:nvPr>
-            <p:ph type="hdr" sz="quarter" idx="11"/>
+              <a:t>Extending Cookbooks</a:t>
+            </a:r>
+            <a:endParaRPr lang="en-US"/>
+          </a:p>
+        </p:txBody>
+      </p:sp>
+      <p:sp>
+        <p:nvSpPr>
+          <p:cNvPr id="7" name="Date Placeholder 6"/>
+          <p:cNvSpPr>
+            <a:spLocks noGrp="1"/>
+          </p:cNvSpPr>
+          <p:nvPr>
+            <p:ph type="dt" idx="13"/>
           </p:nvPr>
         </p:nvSpPr>
         <p:spPr/>
@@ -4737,29 +4113,11 @@
             <a:pPr>
               <a:defRPr/>
             </a:pPr>
-            <a:endParaRPr lang="en-US"/>
-          </a:p>
-        </p:txBody>
-      </p:sp>
-      <p:sp>
-        <p:nvSpPr>
-          <p:cNvPr id="6" name="Footer Placeholder 5"/>
-          <p:cNvSpPr>
-            <a:spLocks noGrp="1"/>
-          </p:cNvSpPr>
-          <p:nvPr>
-            <p:ph type="ftr" sz="quarter" idx="12"/>
-          </p:nvPr>
-        </p:nvSpPr>
-        <p:spPr/>
-        <p:txBody>
-          <a:bodyPr/>
-          <a:lstStyle/>
-          <a:p>
-            <a:pPr>
-              <a:defRPr/>
-            </a:pPr>
-            <a:endParaRPr lang="en-US"/>
+            <a:r>
+              <a:rPr lang="en-US" smtClean="0"/>
+              <a:t>Chef Software, Inc.</a:t>
+            </a:r>
+            <a:endParaRPr lang="en-US" dirty="0"/>
           </a:p>
         </p:txBody>
       </p:sp>
@@ -4858,12 +4216,12 @@
       </p:sp>
       <p:sp>
         <p:nvSpPr>
-          <p:cNvPr id="4" name="Slide Number Placeholder 3"/>
-          <p:cNvSpPr>
-            <a:spLocks noGrp="1"/>
-          </p:cNvSpPr>
-          <p:nvPr>
-            <p:ph type="sldNum" sz="quarter" idx="10"/>
+          <p:cNvPr id="5" name="Header Placeholder 4"/>
+          <p:cNvSpPr>
+            <a:spLocks noGrp="1"/>
+          </p:cNvSpPr>
+          <p:nvPr>
+            <p:ph type="hdr" sz="quarter" idx="11"/>
           </p:nvPr>
         </p:nvSpPr>
         <p:spPr/>
@@ -4874,25 +4232,22 @@
             <a:pPr>
               <a:defRPr/>
             </a:pPr>
-            <a:fld id="{DC3734AA-3150-D947-AC52-2F5DF48BFCD5}" type="slidenum">
+            <a:r>
               <a:rPr lang="en-US" smtClean="0"/>
-              <a:pPr>
-                <a:defRPr/>
-              </a:pPr>
-              <a:t>6</a:t>
-            </a:fld>
-            <a:endParaRPr lang="en-US" dirty="0"/>
-          </a:p>
-        </p:txBody>
-      </p:sp>
-      <p:sp>
-        <p:nvSpPr>
-          <p:cNvPr id="5" name="Header Placeholder 4"/>
-          <p:cNvSpPr>
-            <a:spLocks noGrp="1"/>
-          </p:cNvSpPr>
-          <p:nvPr>
-            <p:ph type="hdr" sz="quarter" idx="11"/>
+              <a:t>Extending Cookbooks</a:t>
+            </a:r>
+            <a:endParaRPr lang="en-US"/>
+          </a:p>
+        </p:txBody>
+      </p:sp>
+      <p:sp>
+        <p:nvSpPr>
+          <p:cNvPr id="7" name="Date Placeholder 6"/>
+          <p:cNvSpPr>
+            <a:spLocks noGrp="1"/>
+          </p:cNvSpPr>
+          <p:nvPr>
+            <p:ph type="dt" idx="13"/>
           </p:nvPr>
         </p:nvSpPr>
         <p:spPr/>
@@ -4903,29 +4258,11 @@
             <a:pPr>
               <a:defRPr/>
             </a:pPr>
-            <a:endParaRPr lang="en-US"/>
-          </a:p>
-        </p:txBody>
-      </p:sp>
-      <p:sp>
-        <p:nvSpPr>
-          <p:cNvPr id="6" name="Footer Placeholder 5"/>
-          <p:cNvSpPr>
-            <a:spLocks noGrp="1"/>
-          </p:cNvSpPr>
-          <p:nvPr>
-            <p:ph type="ftr" sz="quarter" idx="12"/>
-          </p:nvPr>
-        </p:nvSpPr>
-        <p:spPr/>
-        <p:txBody>
-          <a:bodyPr/>
-          <a:lstStyle/>
-          <a:p>
-            <a:pPr>
-              <a:defRPr/>
-            </a:pPr>
-            <a:endParaRPr lang="en-US"/>
+            <a:r>
+              <a:rPr lang="en-US" smtClean="0"/>
+              <a:t>Chef Software, Inc.</a:t>
+            </a:r>
+            <a:endParaRPr lang="en-US" dirty="0"/>
           </a:p>
         </p:txBody>
       </p:sp>
@@ -5000,12 +4337,12 @@
       </p:sp>
       <p:sp>
         <p:nvSpPr>
-          <p:cNvPr id="4" name="Slide Number Placeholder 3"/>
-          <p:cNvSpPr>
-            <a:spLocks noGrp="1"/>
-          </p:cNvSpPr>
-          <p:nvPr>
-            <p:ph type="sldNum" sz="quarter" idx="10"/>
+          <p:cNvPr id="5" name="Header Placeholder 4"/>
+          <p:cNvSpPr>
+            <a:spLocks noGrp="1"/>
+          </p:cNvSpPr>
+          <p:nvPr>
+            <p:ph type="hdr" sz="quarter" idx="11"/>
           </p:nvPr>
         </p:nvSpPr>
         <p:spPr/>
@@ -5016,25 +4353,22 @@
             <a:pPr>
               <a:defRPr/>
             </a:pPr>
-            <a:fld id="{DC3734AA-3150-D947-AC52-2F5DF48BFCD5}" type="slidenum">
+            <a:r>
               <a:rPr lang="en-US" smtClean="0"/>
-              <a:pPr>
-                <a:defRPr/>
-              </a:pPr>
-              <a:t>7</a:t>
-            </a:fld>
-            <a:endParaRPr lang="en-US" dirty="0"/>
-          </a:p>
-        </p:txBody>
-      </p:sp>
-      <p:sp>
-        <p:nvSpPr>
-          <p:cNvPr id="5" name="Header Placeholder 4"/>
-          <p:cNvSpPr>
-            <a:spLocks noGrp="1"/>
-          </p:cNvSpPr>
-          <p:nvPr>
-            <p:ph type="hdr" sz="quarter" idx="11"/>
+              <a:t>Extending Cookbooks</a:t>
+            </a:r>
+            <a:endParaRPr lang="en-US"/>
+          </a:p>
+        </p:txBody>
+      </p:sp>
+      <p:sp>
+        <p:nvSpPr>
+          <p:cNvPr id="7" name="Date Placeholder 6"/>
+          <p:cNvSpPr>
+            <a:spLocks noGrp="1"/>
+          </p:cNvSpPr>
+          <p:nvPr>
+            <p:ph type="dt" idx="13"/>
           </p:nvPr>
         </p:nvSpPr>
         <p:spPr/>
@@ -5045,29 +4379,11 @@
             <a:pPr>
               <a:defRPr/>
             </a:pPr>
-            <a:endParaRPr lang="en-US"/>
-          </a:p>
-        </p:txBody>
-      </p:sp>
-      <p:sp>
-        <p:nvSpPr>
-          <p:cNvPr id="6" name="Footer Placeholder 5"/>
-          <p:cNvSpPr>
-            <a:spLocks noGrp="1"/>
-          </p:cNvSpPr>
-          <p:nvPr>
-            <p:ph type="ftr" sz="quarter" idx="12"/>
-          </p:nvPr>
-        </p:nvSpPr>
-        <p:spPr/>
-        <p:txBody>
-          <a:bodyPr/>
-          <a:lstStyle/>
-          <a:p>
-            <a:pPr>
-              <a:defRPr/>
-            </a:pPr>
-            <a:endParaRPr lang="en-US"/>
+            <a:r>
+              <a:rPr lang="en-US" smtClean="0"/>
+              <a:t>Chef Software, Inc.</a:t>
+            </a:r>
+            <a:endParaRPr lang="en-US" dirty="0"/>
           </a:p>
         </p:txBody>
       </p:sp>
@@ -5146,12 +4462,12 @@
       </p:sp>
       <p:sp>
         <p:nvSpPr>
-          <p:cNvPr id="4" name="Slide Number Placeholder 3"/>
-          <p:cNvSpPr>
-            <a:spLocks noGrp="1"/>
-          </p:cNvSpPr>
-          <p:nvPr>
-            <p:ph type="sldNum" sz="quarter" idx="10"/>
+          <p:cNvPr id="5" name="Header Placeholder 4"/>
+          <p:cNvSpPr>
+            <a:spLocks noGrp="1"/>
+          </p:cNvSpPr>
+          <p:nvPr>
+            <p:ph type="hdr" sz="quarter" idx="11"/>
           </p:nvPr>
         </p:nvSpPr>
         <p:spPr/>
@@ -5162,25 +4478,22 @@
             <a:pPr>
               <a:defRPr/>
             </a:pPr>
-            <a:fld id="{DC3734AA-3150-D947-AC52-2F5DF48BFCD5}" type="slidenum">
+            <a:r>
               <a:rPr lang="en-US" smtClean="0"/>
-              <a:pPr>
-                <a:defRPr/>
-              </a:pPr>
-              <a:t>8</a:t>
-            </a:fld>
-            <a:endParaRPr lang="en-US" dirty="0"/>
-          </a:p>
-        </p:txBody>
-      </p:sp>
-      <p:sp>
-        <p:nvSpPr>
-          <p:cNvPr id="5" name="Header Placeholder 4"/>
-          <p:cNvSpPr>
-            <a:spLocks noGrp="1"/>
-          </p:cNvSpPr>
-          <p:nvPr>
-            <p:ph type="hdr" sz="quarter" idx="11"/>
+              <a:t>Extending Cookbooks</a:t>
+            </a:r>
+            <a:endParaRPr lang="en-US"/>
+          </a:p>
+        </p:txBody>
+      </p:sp>
+      <p:sp>
+        <p:nvSpPr>
+          <p:cNvPr id="7" name="Date Placeholder 6"/>
+          <p:cNvSpPr>
+            <a:spLocks noGrp="1"/>
+          </p:cNvSpPr>
+          <p:nvPr>
+            <p:ph type="dt" idx="13"/>
           </p:nvPr>
         </p:nvSpPr>
         <p:spPr/>
@@ -5191,29 +4504,11 @@
             <a:pPr>
               <a:defRPr/>
             </a:pPr>
-            <a:endParaRPr lang="en-US"/>
-          </a:p>
-        </p:txBody>
-      </p:sp>
-      <p:sp>
-        <p:nvSpPr>
-          <p:cNvPr id="6" name="Footer Placeholder 5"/>
-          <p:cNvSpPr>
-            <a:spLocks noGrp="1"/>
-          </p:cNvSpPr>
-          <p:nvPr>
-            <p:ph type="ftr" sz="quarter" idx="12"/>
-          </p:nvPr>
-        </p:nvSpPr>
-        <p:spPr/>
-        <p:txBody>
-          <a:bodyPr/>
-          <a:lstStyle/>
-          <a:p>
-            <a:pPr>
-              <a:defRPr/>
-            </a:pPr>
-            <a:endParaRPr lang="en-US"/>
+            <a:r>
+              <a:rPr lang="en-US" smtClean="0"/>
+              <a:t>Chef Software, Inc.</a:t>
+            </a:r>
+            <a:endParaRPr lang="en-US" dirty="0"/>
           </a:p>
         </p:txBody>
       </p:sp>
@@ -5296,12 +4591,12 @@
       </p:sp>
       <p:sp>
         <p:nvSpPr>
-          <p:cNvPr id="4" name="Slide Number Placeholder 3"/>
-          <p:cNvSpPr>
-            <a:spLocks noGrp="1"/>
-          </p:cNvSpPr>
-          <p:nvPr>
-            <p:ph type="sldNum" sz="quarter" idx="10"/>
+          <p:cNvPr id="5" name="Header Placeholder 4"/>
+          <p:cNvSpPr>
+            <a:spLocks noGrp="1"/>
+          </p:cNvSpPr>
+          <p:nvPr>
+            <p:ph type="hdr" sz="quarter" idx="11"/>
           </p:nvPr>
         </p:nvSpPr>
         <p:spPr/>
@@ -5312,25 +4607,22 @@
             <a:pPr>
               <a:defRPr/>
             </a:pPr>
-            <a:fld id="{DC3734AA-3150-D947-AC52-2F5DF48BFCD5}" type="slidenum">
+            <a:r>
               <a:rPr lang="en-US" smtClean="0"/>
-              <a:pPr>
-                <a:defRPr/>
-              </a:pPr>
-              <a:t>9</a:t>
-            </a:fld>
-            <a:endParaRPr lang="en-US" dirty="0"/>
-          </a:p>
-        </p:txBody>
-      </p:sp>
-      <p:sp>
-        <p:nvSpPr>
-          <p:cNvPr id="5" name="Header Placeholder 4"/>
-          <p:cNvSpPr>
-            <a:spLocks noGrp="1"/>
-          </p:cNvSpPr>
-          <p:nvPr>
-            <p:ph type="hdr" sz="quarter" idx="11"/>
+              <a:t>Extending Cookbooks</a:t>
+            </a:r>
+            <a:endParaRPr lang="en-US"/>
+          </a:p>
+        </p:txBody>
+      </p:sp>
+      <p:sp>
+        <p:nvSpPr>
+          <p:cNvPr id="7" name="Date Placeholder 6"/>
+          <p:cNvSpPr>
+            <a:spLocks noGrp="1"/>
+          </p:cNvSpPr>
+          <p:nvPr>
+            <p:ph type="dt" idx="13"/>
           </p:nvPr>
         </p:nvSpPr>
         <p:spPr/>
@@ -5341,29 +4633,11 @@
             <a:pPr>
               <a:defRPr/>
             </a:pPr>
-            <a:endParaRPr lang="en-US"/>
-          </a:p>
-        </p:txBody>
-      </p:sp>
-      <p:sp>
-        <p:nvSpPr>
-          <p:cNvPr id="6" name="Footer Placeholder 5"/>
-          <p:cNvSpPr>
-            <a:spLocks noGrp="1"/>
-          </p:cNvSpPr>
-          <p:nvPr>
-            <p:ph type="ftr" sz="quarter" idx="12"/>
-          </p:nvPr>
-        </p:nvSpPr>
-        <p:spPr/>
-        <p:txBody>
-          <a:bodyPr/>
-          <a:lstStyle/>
-          <a:p>
-            <a:pPr>
-              <a:defRPr/>
-            </a:pPr>
-            <a:endParaRPr lang="en-US"/>
+            <a:r>
+              <a:rPr lang="en-US" smtClean="0"/>
+              <a:t>Chef Software, Inc.</a:t>
+            </a:r>
+            <a:endParaRPr lang="en-US" dirty="0"/>
           </a:p>
         </p:txBody>
       </p:sp>
@@ -5945,14 +5219,14 @@
           </a:ln>
           <a:extLst>
             <a:ext uri="{909E8E84-426E-40dd-AFC4-6F175D3DCCD1}">
-              <a14:hiddenFill xmlns:a14="http://schemas.microsoft.com/office/drawing/2010/main" xmlns="">
+              <a14:hiddenFill xmlns="" xmlns:a14="http://schemas.microsoft.com/office/drawing/2010/main">
                 <a:solidFill>
                   <a:srgbClr val="FFFFFF"/>
                 </a:solidFill>
               </a14:hiddenFill>
             </a:ext>
             <a:ext uri="{91240B29-F687-4f45-9708-019B960494DF}">
-              <a14:hiddenLine xmlns:a14="http://schemas.microsoft.com/office/drawing/2010/main" xmlns="" w="9525">
+              <a14:hiddenLine xmlns="" xmlns:a14="http://schemas.microsoft.com/office/drawing/2010/main" w="9525">
                 <a:solidFill>
                   <a:srgbClr val="000000"/>
                 </a:solidFill>
@@ -6100,14 +5374,14 @@
           </a:ln>
           <a:extLst>
             <a:ext uri="{909E8E84-426E-40dd-AFC4-6F175D3DCCD1}">
-              <a14:hiddenFill xmlns:a14="http://schemas.microsoft.com/office/drawing/2010/main" xmlns="">
+              <a14:hiddenFill xmlns="" xmlns:a14="http://schemas.microsoft.com/office/drawing/2010/main">
                 <a:solidFill>
                   <a:srgbClr val="FFFFFF"/>
                 </a:solidFill>
               </a14:hiddenFill>
             </a:ext>
             <a:ext uri="{91240B29-F687-4f45-9708-019B960494DF}">
-              <a14:hiddenLine xmlns:a14="http://schemas.microsoft.com/office/drawing/2010/main" xmlns="" w="9525">
+              <a14:hiddenLine xmlns="" xmlns:a14="http://schemas.microsoft.com/office/drawing/2010/main" w="9525">
                 <a:solidFill>
                   <a:srgbClr val="000000"/>
                 </a:solidFill>
@@ -6598,14 +5872,14 @@
           </a:ln>
           <a:extLst>
             <a:ext uri="{909E8E84-426E-40dd-AFC4-6F175D3DCCD1}">
-              <a14:hiddenFill xmlns:a14="http://schemas.microsoft.com/office/drawing/2010/main" xmlns="">
+              <a14:hiddenFill xmlns="" xmlns:a14="http://schemas.microsoft.com/office/drawing/2010/main">
                 <a:solidFill>
                   <a:srgbClr val="FFFFFF"/>
                 </a:solidFill>
               </a14:hiddenFill>
             </a:ext>
             <a:ext uri="{91240B29-F687-4f45-9708-019B960494DF}">
-              <a14:hiddenLine xmlns:a14="http://schemas.microsoft.com/office/drawing/2010/main" xmlns="" w="9525">
+              <a14:hiddenLine xmlns="" xmlns:a14="http://schemas.microsoft.com/office/drawing/2010/main" w="9525">
                 <a:solidFill>
                   <a:srgbClr val="000000"/>
                 </a:solidFill>
@@ -7131,14 +6405,14 @@
           </a:ln>
           <a:extLst>
             <a:ext uri="{909E8E84-426E-40dd-AFC4-6F175D3DCCD1}">
-              <a14:hiddenFill xmlns:a14="http://schemas.microsoft.com/office/drawing/2010/main" xmlns="">
+              <a14:hiddenFill xmlns="" xmlns:a14="http://schemas.microsoft.com/office/drawing/2010/main">
                 <a:solidFill>
                   <a:srgbClr val="FFFFFF"/>
                 </a:solidFill>
               </a14:hiddenFill>
             </a:ext>
             <a:ext uri="{91240B29-F687-4f45-9708-019B960494DF}">
-              <a14:hiddenLine xmlns:a14="http://schemas.microsoft.com/office/drawing/2010/main" xmlns="" w="9525">
+              <a14:hiddenLine xmlns="" xmlns:a14="http://schemas.microsoft.com/office/drawing/2010/main" w="9525">
                 <a:solidFill>
                   <a:srgbClr val="000000"/>
                 </a:solidFill>
@@ -8762,14 +8036,14 @@
           </a:ln>
           <a:extLst>
             <a:ext uri="{909E8E84-426E-40dd-AFC4-6F175D3DCCD1}">
-              <a14:hiddenFill xmlns:a14="http://schemas.microsoft.com/office/drawing/2010/main" xmlns="">
+              <a14:hiddenFill xmlns="" xmlns:a14="http://schemas.microsoft.com/office/drawing/2010/main">
                 <a:solidFill>
                   <a:srgbClr val="FFFFFF"/>
                 </a:solidFill>
               </a14:hiddenFill>
             </a:ext>
             <a:ext uri="{91240B29-F687-4f45-9708-019B960494DF}">
-              <a14:hiddenLine xmlns:a14="http://schemas.microsoft.com/office/drawing/2010/main" xmlns="" w="9525">
+              <a14:hiddenLine xmlns="" xmlns:a14="http://schemas.microsoft.com/office/drawing/2010/main" w="9525">
                 <a:solidFill>
                   <a:srgbClr val="000000"/>
                 </a:solidFill>
@@ -10123,14 +9397,14 @@
           </a:ln>
           <a:extLst>
             <a:ext uri="{909E8E84-426E-40dd-AFC4-6F175D3DCCD1}">
-              <a14:hiddenFill xmlns:a14="http://schemas.microsoft.com/office/drawing/2010/main" xmlns="">
+              <a14:hiddenFill xmlns="" xmlns:a14="http://schemas.microsoft.com/office/drawing/2010/main">
                 <a:solidFill>
                   <a:srgbClr val="FFFFFF"/>
                 </a:solidFill>
               </a14:hiddenFill>
             </a:ext>
             <a:ext uri="{91240B29-F687-4f45-9708-019B960494DF}">
-              <a14:hiddenLine xmlns:a14="http://schemas.microsoft.com/office/drawing/2010/main" xmlns="" w="9525">
+              <a14:hiddenLine xmlns="" xmlns:a14="http://schemas.microsoft.com/office/drawing/2010/main" w="9525">
                 <a:solidFill>
                   <a:srgbClr val="000000"/>
                 </a:solidFill>
@@ -10688,14 +9962,14 @@
           </a:ln>
           <a:extLst>
             <a:ext uri="{909E8E84-426E-40dd-AFC4-6F175D3DCCD1}">
-              <a14:hiddenFill xmlns:a14="http://schemas.microsoft.com/office/drawing/2010/main" xmlns="">
+              <a14:hiddenFill xmlns="" xmlns:a14="http://schemas.microsoft.com/office/drawing/2010/main">
                 <a:solidFill>
                   <a:srgbClr val="FFFFFF"/>
                 </a:solidFill>
               </a14:hiddenFill>
             </a:ext>
             <a:ext uri="{91240B29-F687-4f45-9708-019B960494DF}">
-              <a14:hiddenLine xmlns:a14="http://schemas.microsoft.com/office/drawing/2010/main" xmlns="" w="9525">
+              <a14:hiddenLine xmlns="" xmlns:a14="http://schemas.microsoft.com/office/drawing/2010/main" w="9525">
                 <a:solidFill>
                   <a:srgbClr val="000000"/>
                 </a:solidFill>
@@ -11262,14 +10536,14 @@
           </a:ln>
           <a:extLst>
             <a:ext uri="{909E8E84-426E-40dd-AFC4-6F175D3DCCD1}">
-              <a14:hiddenFill xmlns:a14="http://schemas.microsoft.com/office/drawing/2010/main" xmlns="">
+              <a14:hiddenFill xmlns="" xmlns:a14="http://schemas.microsoft.com/office/drawing/2010/main">
                 <a:solidFill>
                   <a:srgbClr val="FFFFFF"/>
                 </a:solidFill>
               </a14:hiddenFill>
             </a:ext>
             <a:ext uri="{91240B29-F687-4f45-9708-019B960494DF}">
-              <a14:hiddenLine xmlns:a14="http://schemas.microsoft.com/office/drawing/2010/main" xmlns="" w="9525">
+              <a14:hiddenLine xmlns="" xmlns:a14="http://schemas.microsoft.com/office/drawing/2010/main" w="9525">
                 <a:solidFill>
                   <a:srgbClr val="000000"/>
                 </a:solidFill>
@@ -12209,14 +11483,14 @@
           </a:ln>
           <a:extLst>
             <a:ext uri="{909E8E84-426E-40dd-AFC4-6F175D3DCCD1}">
-              <a14:hiddenFill xmlns:a14="http://schemas.microsoft.com/office/drawing/2010/main" xmlns="">
+              <a14:hiddenFill xmlns="" xmlns:a14="http://schemas.microsoft.com/office/drawing/2010/main">
                 <a:solidFill>
                   <a:srgbClr val="FFFFFF"/>
                 </a:solidFill>
               </a14:hiddenFill>
             </a:ext>
             <a:ext uri="{91240B29-F687-4f45-9708-019B960494DF}">
-              <a14:hiddenLine xmlns:a14="http://schemas.microsoft.com/office/drawing/2010/main" xmlns="" w="9525">
+              <a14:hiddenLine xmlns="" xmlns:a14="http://schemas.microsoft.com/office/drawing/2010/main" w="9525">
                 <a:solidFill>
                   <a:srgbClr val="000000"/>
                 </a:solidFill>
@@ -12296,7 +11570,7 @@
               <a:defRPr/>
             </a:pPr>
             <a:r>
-              <a:rPr lang="en-US" dirty="0">
+              <a:rPr lang="en-US" dirty="0" smtClean="0">
                 <a:solidFill>
                   <a:srgbClr val="7D868C"/>
                 </a:solidFill>
@@ -12307,7 +11581,7 @@
               <a:t>©</a:t>
             </a:r>
             <a:r>
-              <a:rPr lang="en-US" dirty="0" smtClean="0">
+              <a:rPr lang="is-IS" dirty="0" smtClean="0">
                 <a:solidFill>
                   <a:srgbClr val="7D868C"/>
                 </a:solidFill>
@@ -12315,7 +11589,7 @@
                 <a:ea typeface="+mn-ea"/>
                 <a:cs typeface="+mn-cs"/>
               </a:rPr>
-              <a:t>2016</a:t>
+              <a:t>2017</a:t>
             </a:r>
             <a:r>
               <a:rPr lang="en-US" baseline="0" dirty="0" smtClean="0">
@@ -13013,14 +12287,14 @@
           </a:ln>
           <a:extLst>
             <a:ext uri="{909E8E84-426E-40dd-AFC4-6F175D3DCCD1}">
-              <a14:hiddenFill xmlns:a14="http://schemas.microsoft.com/office/drawing/2010/main" xmlns="">
+              <a14:hiddenFill xmlns="" xmlns:a14="http://schemas.microsoft.com/office/drawing/2010/main">
                 <a:solidFill>
                   <a:srgbClr val="FFFFFF"/>
                 </a:solidFill>
               </a14:hiddenFill>
             </a:ext>
             <a:ext uri="{91240B29-F687-4f45-9708-019B960494DF}">
-              <a14:hiddenLine xmlns:a14="http://schemas.microsoft.com/office/drawing/2010/main" xmlns="" w="9525">
+              <a14:hiddenLine xmlns="" xmlns:a14="http://schemas.microsoft.com/office/drawing/2010/main" w="9525">
                 <a:solidFill>
                   <a:srgbClr val="000000"/>
                 </a:solidFill>
@@ -13100,7 +12374,7 @@
               <a:defRPr/>
             </a:pPr>
             <a:r>
-              <a:rPr lang="en-US" dirty="0">
+              <a:rPr lang="en-US" dirty="0" smtClean="0">
                 <a:solidFill>
                   <a:srgbClr val="7D868C"/>
                 </a:solidFill>
@@ -13111,7 +12385,7 @@
               <a:t>©</a:t>
             </a:r>
             <a:r>
-              <a:rPr lang="en-US" dirty="0" smtClean="0">
+              <a:rPr lang="is-IS" dirty="0" smtClean="0">
                 <a:solidFill>
                   <a:srgbClr val="7D868C"/>
                 </a:solidFill>
@@ -13119,7 +12393,18 @@
                 <a:ea typeface="+mn-ea"/>
                 <a:cs typeface="+mn-cs"/>
               </a:rPr>
-              <a:t>2016 </a:t>
+              <a:t>2017</a:t>
+            </a:r>
+            <a:r>
+              <a:rPr lang="en-US" dirty="0" smtClean="0">
+                <a:solidFill>
+                  <a:srgbClr val="7D868C"/>
+                </a:solidFill>
+                <a:latin typeface="+mn-lt"/>
+                <a:ea typeface="+mn-ea"/>
+                <a:cs typeface="+mn-cs"/>
+              </a:rPr>
+              <a:t> </a:t>
             </a:r>
             <a:r>
               <a:rPr lang="en-US" dirty="0">
